--- a/figure/BarGraph_matrix_with_CCs_314.pptx
+++ b/figure/BarGraph_matrix_with_CCs_314.pptx
@@ -9,7 +9,7 @@
     <p:notesMasterId r:id="rId4"/>
   </p:notesMasterIdLst>
   <p:sldIdLst>
-    <p:sldId id="256" r:id="rId3"/>
+    <p:sldId id="257" r:id="rId3"/>
   </p:sldIdLst>
   <p:sldSz cx="5551488" cy="3617913"/>
   <p:notesSz cx="6858000" cy="9144000"/>
@@ -221,17 +221,17 @@
                   <c:v>CC1-4: each 4thread</c:v>
                 </c:pt>
                 <c:pt idx="3">
-                  <c:v>IO DDR 4thread(with cache)</c:v>
+                  <c:v>IO DDR 4thread (with cache)</c:v>
                 </c:pt>
               </c:strCache>
             </c:strRef>
           </c:cat>
           <c:val>
             <c:numRef>
-              <c:f>'matrix 2'!$L$5:$N$5</c:f>
+              <c:f>'matrix 2'!$L$5:$O$5</c:f>
               <c:numCache>
                 <c:formatCode>General</c:formatCode>
-                <c:ptCount val="3"/>
+                <c:ptCount val="4"/>
                 <c:pt idx="0">
                   <c:v>19.838640000000002</c:v>
                 </c:pt>
@@ -241,12 +241,15 @@
                 <c:pt idx="2">
                   <c:v>19.781369999999999</c:v>
                 </c:pt>
+                <c:pt idx="3">
+                  <c:v>0</c:v>
+                </c:pt>
               </c:numCache>
             </c:numRef>
           </c:val>
           <c:extLst>
             <c:ext xmlns:c16="http://schemas.microsoft.com/office/drawing/2014/chart" uri="{C3380CC4-5D6E-409C-BE32-E72D297353CC}">
-              <c16:uniqueId val="{00000000-624A-45AD-A443-0B0D3C5CE730}"/>
+              <c16:uniqueId val="{00000000-FE17-467A-B213-F06CFB20A834}"/>
             </c:ext>
           </c:extLst>
         </c:ser>
@@ -289,7 +292,7 @@
             </c:spPr>
             <c:extLst>
               <c:ext xmlns:c16="http://schemas.microsoft.com/office/drawing/2014/chart" uri="{C3380CC4-5D6E-409C-BE32-E72D297353CC}">
-                <c16:uniqueId val="{00000002-624A-45AD-A443-0B0D3C5CE730}"/>
+                <c16:uniqueId val="{00000002-FE17-467A-B213-F06CFB20A834}"/>
               </c:ext>
             </c:extLst>
           </c:dPt>
@@ -308,7 +311,7 @@
                   <c:v>CC1-4: each 4thread</c:v>
                 </c:pt>
                 <c:pt idx="3">
-                  <c:v>IO DDR 4thread(with cache)</c:v>
+                  <c:v>IO DDR 4thread (with cache)</c:v>
                 </c:pt>
               </c:strCache>
             </c:strRef>
@@ -336,7 +339,7 @@
           </c:val>
           <c:extLst>
             <c:ext xmlns:c16="http://schemas.microsoft.com/office/drawing/2014/chart" uri="{C3380CC4-5D6E-409C-BE32-E72D297353CC}">
-              <c16:uniqueId val="{00000003-624A-45AD-A443-0B0D3C5CE730}"/>
+              <c16:uniqueId val="{00000003-FE17-467A-B213-F06CFB20A834}"/>
             </c:ext>
           </c:extLst>
         </c:ser>
@@ -381,17 +384,17 @@
                   <c:v>CC1-4: each 4thread</c:v>
                 </c:pt>
                 <c:pt idx="3">
-                  <c:v>IO DDR 4thread(with cache)</c:v>
+                  <c:v>IO DDR 4thread (with cache)</c:v>
                 </c:pt>
               </c:strCache>
             </c:strRef>
           </c:cat>
           <c:val>
             <c:numRef>
-              <c:f>'matrix 2'!$L$7:$N$7</c:f>
+              <c:f>'matrix 2'!$L$7:$O$7</c:f>
               <c:numCache>
                 <c:formatCode>General</c:formatCode>
-                <c:ptCount val="3"/>
+                <c:ptCount val="4"/>
                 <c:pt idx="0">
                   <c:v>19.38513</c:v>
                 </c:pt>
@@ -401,12 +404,15 @@
                 <c:pt idx="2">
                   <c:v>19.341329999999999</c:v>
                 </c:pt>
+                <c:pt idx="3">
+                  <c:v>0</c:v>
+                </c:pt>
               </c:numCache>
             </c:numRef>
           </c:val>
           <c:extLst>
             <c:ext xmlns:c16="http://schemas.microsoft.com/office/drawing/2014/chart" uri="{C3380CC4-5D6E-409C-BE32-E72D297353CC}">
-              <c16:uniqueId val="{00000004-624A-45AD-A443-0B0D3C5CE730}"/>
+              <c16:uniqueId val="{00000004-FE17-467A-B213-F06CFB20A834}"/>
             </c:ext>
           </c:extLst>
         </c:ser>
@@ -649,7 +655,7 @@
           <a:lstStyle/>
           <a:p>
             <a:pPr rtl="0">
-              <a:defRPr sz="1050" b="0" i="0" u="none" strike="noStrike" kern="1200" baseline="0">
+              <a:defRPr sz="900" b="0" i="0" u="none" strike="noStrike" kern="1200" baseline="0">
                 <a:solidFill>
                   <a:schemeClr val="tx1">
                     <a:lumMod val="65000"/>
@@ -1293,7 +1299,7 @@
           <a:p>
             <a:fld id="{7F0095D0-A9E1-4B64-AAAF-C179389DF804}" type="datetimeFigureOut">
               <a:rPr kumimoji="1" lang="ja-JP" altLang="en-US" smtClean="0"/>
-              <a:t>2017/3/10</a:t>
+              <a:t>2017/4/4</a:t>
             </a:fld>
             <a:endParaRPr kumimoji="1" lang="ja-JP" altLang="en-US"/>
           </a:p>
@@ -1736,7 +1742,7 @@
     </p:spTree>
     <p:extLst>
       <p:ext uri="{BB962C8B-B14F-4D97-AF65-F5344CB8AC3E}">
-        <p14:creationId xmlns:p14="http://schemas.microsoft.com/office/powerpoint/2010/main" val="1152994699"/>
+        <p14:creationId xmlns:p14="http://schemas.microsoft.com/office/powerpoint/2010/main" val="330915896"/>
       </p:ext>
     </p:extLst>
   </p:cSld>
@@ -1877,7 +1883,7 @@
           <a:p>
             <a:fld id="{05B1DBB0-D0CE-4499-8A6D-C73AC9430D35}" type="datetimeFigureOut">
               <a:rPr kumimoji="1" lang="ja-JP" altLang="en-US" smtClean="0"/>
-              <a:t>2017/3/10</a:t>
+              <a:t>2017/4/4</a:t>
             </a:fld>
             <a:endParaRPr kumimoji="1" lang="ja-JP" altLang="en-US"/>
           </a:p>
@@ -2079,7 +2085,7 @@
           <a:p>
             <a:fld id="{05B1DBB0-D0CE-4499-8A6D-C73AC9430D35}" type="datetimeFigureOut">
               <a:rPr kumimoji="1" lang="ja-JP" altLang="en-US" smtClean="0"/>
-              <a:t>2017/3/10</a:t>
+              <a:t>2017/4/4</a:t>
             </a:fld>
             <a:endParaRPr kumimoji="1" lang="ja-JP" altLang="en-US"/>
           </a:p>
@@ -2291,7 +2297,7 @@
           <a:p>
             <a:fld id="{05B1DBB0-D0CE-4499-8A6D-C73AC9430D35}" type="datetimeFigureOut">
               <a:rPr kumimoji="1" lang="ja-JP" altLang="en-US" smtClean="0"/>
-              <a:t>2017/3/10</a:t>
+              <a:t>2017/4/4</a:t>
             </a:fld>
             <a:endParaRPr kumimoji="1" lang="ja-JP" altLang="en-US"/>
           </a:p>
@@ -2491,7 +2497,7 @@
           <a:p>
             <a:fld id="{1D8BD707-D9CF-40AE-B4C6-C98DA3205C09}" type="datetimeFigureOut">
               <a:rPr lang="en-US"/>
-              <a:t>3/10/2017</a:t>
+              <a:t>4/4/2017</a:t>
             </a:fld>
             <a:endParaRPr lang="en-US"/>
           </a:p>
@@ -2661,7 +2667,7 @@
           <a:p>
             <a:fld id="{1D8BD707-D9CF-40AE-B4C6-C98DA3205C09}" type="datetimeFigureOut">
               <a:rPr lang="en-US"/>
-              <a:t>3/10/2017</a:t>
+              <a:t>4/4/2017</a:t>
             </a:fld>
             <a:endParaRPr lang="en-US"/>
           </a:p>
@@ -2874,7 +2880,7 @@
           <a:p>
             <a:fld id="{1D8BD707-D9CF-40AE-B4C6-C98DA3205C09}" type="datetimeFigureOut">
               <a:rPr lang="en-US"/>
-              <a:t>3/10/2017</a:t>
+              <a:t>4/4/2017</a:t>
             </a:fld>
             <a:endParaRPr lang="en-US"/>
           </a:p>
@@ -3021,7 +3027,7 @@
           <a:p>
             <a:fld id="{1D8BD707-D9CF-40AE-B4C6-C98DA3205C09}" type="datetimeFigureOut">
               <a:rPr lang="en-US"/>
-              <a:t>3/10/2017</a:t>
+              <a:t>4/4/2017</a:t>
             </a:fld>
             <a:endParaRPr lang="en-US"/>
           </a:p>
@@ -3145,7 +3151,7 @@
           <a:p>
             <a:fld id="{1D8BD707-D9CF-40AE-B4C6-C98DA3205C09}" type="datetimeFigureOut">
               <a:rPr lang="en-US"/>
-              <a:t>3/10/2017</a:t>
+              <a:t>4/4/2017</a:t>
             </a:fld>
             <a:endParaRPr lang="en-US"/>
           </a:p>
@@ -3337,7 +3343,7 @@
           <a:p>
             <a:fld id="{05B1DBB0-D0CE-4499-8A6D-C73AC9430D35}" type="datetimeFigureOut">
               <a:rPr kumimoji="1" lang="ja-JP" altLang="en-US" smtClean="0"/>
-              <a:t>2017/3/10</a:t>
+              <a:t>2017/4/4</a:t>
             </a:fld>
             <a:endParaRPr kumimoji="1" lang="ja-JP" altLang="en-US"/>
           </a:p>
@@ -3583,7 +3589,7 @@
           <a:p>
             <a:fld id="{05B1DBB0-D0CE-4499-8A6D-C73AC9430D35}" type="datetimeFigureOut">
               <a:rPr kumimoji="1" lang="ja-JP" altLang="en-US" smtClean="0"/>
-              <a:t>2017/3/10</a:t>
+              <a:t>2017/4/4</a:t>
             </a:fld>
             <a:endParaRPr kumimoji="1" lang="ja-JP" altLang="en-US"/>
           </a:p>
@@ -3879,7 +3885,7 @@
           <a:p>
             <a:fld id="{05B1DBB0-D0CE-4499-8A6D-C73AC9430D35}" type="datetimeFigureOut">
               <a:rPr kumimoji="1" lang="ja-JP" altLang="en-US" smtClean="0"/>
-              <a:t>2017/3/10</a:t>
+              <a:t>2017/4/4</a:t>
             </a:fld>
             <a:endParaRPr kumimoji="1" lang="ja-JP" altLang="en-US"/>
           </a:p>
@@ -4310,7 +4316,7 @@
           <a:p>
             <a:fld id="{05B1DBB0-D0CE-4499-8A6D-C73AC9430D35}" type="datetimeFigureOut">
               <a:rPr kumimoji="1" lang="ja-JP" altLang="en-US" smtClean="0"/>
-              <a:t>2017/3/10</a:t>
+              <a:t>2017/4/4</a:t>
             </a:fld>
             <a:endParaRPr kumimoji="1" lang="ja-JP" altLang="en-US"/>
           </a:p>
@@ -4428,7 +4434,7 @@
           <a:p>
             <a:fld id="{05B1DBB0-D0CE-4499-8A6D-C73AC9430D35}" type="datetimeFigureOut">
               <a:rPr kumimoji="1" lang="ja-JP" altLang="en-US" smtClean="0"/>
-              <a:t>2017/3/10</a:t>
+              <a:t>2017/4/4</a:t>
             </a:fld>
             <a:endParaRPr kumimoji="1" lang="ja-JP" altLang="en-US"/>
           </a:p>
@@ -4523,7 +4529,7 @@
           <a:p>
             <a:fld id="{05B1DBB0-D0CE-4499-8A6D-C73AC9430D35}" type="datetimeFigureOut">
               <a:rPr kumimoji="1" lang="ja-JP" altLang="en-US" smtClean="0"/>
-              <a:t>2017/3/10</a:t>
+              <a:t>2017/4/4</a:t>
             </a:fld>
             <a:endParaRPr kumimoji="1" lang="ja-JP" altLang="en-US"/>
           </a:p>
@@ -4832,7 +4838,7 @@
           <a:p>
             <a:fld id="{05B1DBB0-D0CE-4499-8A6D-C73AC9430D35}" type="datetimeFigureOut">
               <a:rPr kumimoji="1" lang="ja-JP" altLang="en-US" smtClean="0"/>
-              <a:t>2017/3/10</a:t>
+              <a:t>2017/4/4</a:t>
             </a:fld>
             <a:endParaRPr kumimoji="1" lang="ja-JP" altLang="en-US"/>
           </a:p>
@@ -5085,7 +5091,7 @@
           <a:p>
             <a:fld id="{05B1DBB0-D0CE-4499-8A6D-C73AC9430D35}" type="datetimeFigureOut">
               <a:rPr kumimoji="1" lang="ja-JP" altLang="en-US" smtClean="0"/>
-              <a:t>2017/3/10</a:t>
+              <a:t>2017/4/4</a:t>
             </a:fld>
             <a:endParaRPr kumimoji="1" lang="ja-JP" altLang="en-US"/>
           </a:p>
@@ -5330,7 +5336,7 @@
           <a:p>
             <a:fld id="{05B1DBB0-D0CE-4499-8A6D-C73AC9430D35}" type="datetimeFigureOut">
               <a:rPr kumimoji="1" lang="ja-JP" altLang="en-US" smtClean="0"/>
-              <a:t>2017/3/10</a:t>
+              <a:t>2017/4/4</a:t>
             </a:fld>
             <a:endParaRPr kumimoji="1" lang="ja-JP" altLang="en-US"/>
           </a:p>
@@ -5885,7 +5891,7 @@
           <a:p>
             <a:fld id="{1D8BD707-D9CF-40AE-B4C6-C98DA3205C09}" type="datetimeFigureOut">
               <a:rPr lang="en-US"/>
-              <a:t>3/10/2017</a:t>
+              <a:t>4/4/2017</a:t>
             </a:fld>
             <a:endParaRPr lang="en-US"/>
           </a:p>
@@ -6111,21 +6117,21 @@
       </p:grpSpPr>
       <p:graphicFrame>
         <p:nvGraphicFramePr>
-          <p:cNvPr id="4" name="グラフ 3"/>
+          <p:cNvPr id="3" name="グラフ 2"/>
           <p:cNvGraphicFramePr>
             <a:graphicFrameLocks/>
           </p:cNvGraphicFramePr>
           <p:nvPr>
             <p:extLst>
               <p:ext uri="{D42A27DB-BD31-4B8C-83A1-F6EECF244321}">
-                <p14:modId xmlns:p14="http://schemas.microsoft.com/office/powerpoint/2010/main" val="2715489433"/>
+                <p14:modId xmlns:p14="http://schemas.microsoft.com/office/powerpoint/2010/main" val="2033143251"/>
               </p:ext>
             </p:extLst>
           </p:nvPr>
         </p:nvGraphicFramePr>
         <p:xfrm>
           <a:off x="0" y="0"/>
-          <a:ext cx="5551487" cy="3617913"/>
+          <a:ext cx="5551488" cy="3617913"/>
         </p:xfrm>
         <a:graphic>
           <a:graphicData uri="http://schemas.openxmlformats.org/drawingml/2006/chart">
@@ -6136,7 +6142,7 @@
     </p:spTree>
     <p:extLst>
       <p:ext uri="{BB962C8B-B14F-4D97-AF65-F5344CB8AC3E}">
-        <p14:creationId xmlns:p14="http://schemas.microsoft.com/office/powerpoint/2010/main" val="1423963712"/>
+        <p14:creationId xmlns:p14="http://schemas.microsoft.com/office/powerpoint/2010/main" val="3693413570"/>
       </p:ext>
     </p:extLst>
   </p:cSld>

--- a/figure/BarGraph_matrix_with_CCs_314.pptx
+++ b/figure/BarGraph_matrix_with_CCs_314.pptx
@@ -221,7 +221,7 @@
                   <c:v>CC1-4: each 4thread</c:v>
                 </c:pt>
                 <c:pt idx="3">
-                  <c:v>IO DDR 4thread (with cache)</c:v>
+                  <c:v>IO DDR 4thread (cached)</c:v>
                 </c:pt>
               </c:strCache>
             </c:strRef>
@@ -311,7 +311,7 @@
                   <c:v>CC1-4: each 4thread</c:v>
                 </c:pt>
                 <c:pt idx="3">
-                  <c:v>IO DDR 4thread (with cache)</c:v>
+                  <c:v>IO DDR 4thread (cached)</c:v>
                 </c:pt>
               </c:strCache>
             </c:strRef>
@@ -384,7 +384,7 @@
                   <c:v>CC1-4: each 4thread</c:v>
                 </c:pt>
                 <c:pt idx="3">
-                  <c:v>IO DDR 4thread (with cache)</c:v>
+                  <c:v>IO DDR 4thread (cached)</c:v>
                 </c:pt>
               </c:strCache>
             </c:strRef>
@@ -1299,7 +1299,7 @@
           <a:p>
             <a:fld id="{7F0095D0-A9E1-4B64-AAAF-C179389DF804}" type="datetimeFigureOut">
               <a:rPr kumimoji="1" lang="ja-JP" altLang="en-US" smtClean="0"/>
-              <a:t>2017/4/4</a:t>
+              <a:t>2017/4/8</a:t>
             </a:fld>
             <a:endParaRPr kumimoji="1" lang="ja-JP" altLang="en-US"/>
           </a:p>
@@ -1883,7 +1883,7 @@
           <a:p>
             <a:fld id="{05B1DBB0-D0CE-4499-8A6D-C73AC9430D35}" type="datetimeFigureOut">
               <a:rPr kumimoji="1" lang="ja-JP" altLang="en-US" smtClean="0"/>
-              <a:t>2017/4/4</a:t>
+              <a:t>2017/4/8</a:t>
             </a:fld>
             <a:endParaRPr kumimoji="1" lang="ja-JP" altLang="en-US"/>
           </a:p>
@@ -2085,7 +2085,7 @@
           <a:p>
             <a:fld id="{05B1DBB0-D0CE-4499-8A6D-C73AC9430D35}" type="datetimeFigureOut">
               <a:rPr kumimoji="1" lang="ja-JP" altLang="en-US" smtClean="0"/>
-              <a:t>2017/4/4</a:t>
+              <a:t>2017/4/8</a:t>
             </a:fld>
             <a:endParaRPr kumimoji="1" lang="ja-JP" altLang="en-US"/>
           </a:p>
@@ -2297,7 +2297,7 @@
           <a:p>
             <a:fld id="{05B1DBB0-D0CE-4499-8A6D-C73AC9430D35}" type="datetimeFigureOut">
               <a:rPr kumimoji="1" lang="ja-JP" altLang="en-US" smtClean="0"/>
-              <a:t>2017/4/4</a:t>
+              <a:t>2017/4/8</a:t>
             </a:fld>
             <a:endParaRPr kumimoji="1" lang="ja-JP" altLang="en-US"/>
           </a:p>
@@ -2497,7 +2497,7 @@
           <a:p>
             <a:fld id="{1D8BD707-D9CF-40AE-B4C6-C98DA3205C09}" type="datetimeFigureOut">
               <a:rPr lang="en-US"/>
-              <a:t>4/4/2017</a:t>
+              <a:t>4/8/2017</a:t>
             </a:fld>
             <a:endParaRPr lang="en-US"/>
           </a:p>
@@ -2667,7 +2667,7 @@
           <a:p>
             <a:fld id="{1D8BD707-D9CF-40AE-B4C6-C98DA3205C09}" type="datetimeFigureOut">
               <a:rPr lang="en-US"/>
-              <a:t>4/4/2017</a:t>
+              <a:t>4/8/2017</a:t>
             </a:fld>
             <a:endParaRPr lang="en-US"/>
           </a:p>
@@ -2880,7 +2880,7 @@
           <a:p>
             <a:fld id="{1D8BD707-D9CF-40AE-B4C6-C98DA3205C09}" type="datetimeFigureOut">
               <a:rPr lang="en-US"/>
-              <a:t>4/4/2017</a:t>
+              <a:t>4/8/2017</a:t>
             </a:fld>
             <a:endParaRPr lang="en-US"/>
           </a:p>
@@ -3027,7 +3027,7 @@
           <a:p>
             <a:fld id="{1D8BD707-D9CF-40AE-B4C6-C98DA3205C09}" type="datetimeFigureOut">
               <a:rPr lang="en-US"/>
-              <a:t>4/4/2017</a:t>
+              <a:t>4/8/2017</a:t>
             </a:fld>
             <a:endParaRPr lang="en-US"/>
           </a:p>
@@ -3151,7 +3151,7 @@
           <a:p>
             <a:fld id="{1D8BD707-D9CF-40AE-B4C6-C98DA3205C09}" type="datetimeFigureOut">
               <a:rPr lang="en-US"/>
-              <a:t>4/4/2017</a:t>
+              <a:t>4/8/2017</a:t>
             </a:fld>
             <a:endParaRPr lang="en-US"/>
           </a:p>
@@ -3343,7 +3343,7 @@
           <a:p>
             <a:fld id="{05B1DBB0-D0CE-4499-8A6D-C73AC9430D35}" type="datetimeFigureOut">
               <a:rPr kumimoji="1" lang="ja-JP" altLang="en-US" smtClean="0"/>
-              <a:t>2017/4/4</a:t>
+              <a:t>2017/4/8</a:t>
             </a:fld>
             <a:endParaRPr kumimoji="1" lang="ja-JP" altLang="en-US"/>
           </a:p>
@@ -3589,7 +3589,7 @@
           <a:p>
             <a:fld id="{05B1DBB0-D0CE-4499-8A6D-C73AC9430D35}" type="datetimeFigureOut">
               <a:rPr kumimoji="1" lang="ja-JP" altLang="en-US" smtClean="0"/>
-              <a:t>2017/4/4</a:t>
+              <a:t>2017/4/8</a:t>
             </a:fld>
             <a:endParaRPr kumimoji="1" lang="ja-JP" altLang="en-US"/>
           </a:p>
@@ -3885,7 +3885,7 @@
           <a:p>
             <a:fld id="{05B1DBB0-D0CE-4499-8A6D-C73AC9430D35}" type="datetimeFigureOut">
               <a:rPr kumimoji="1" lang="ja-JP" altLang="en-US" smtClean="0"/>
-              <a:t>2017/4/4</a:t>
+              <a:t>2017/4/8</a:t>
             </a:fld>
             <a:endParaRPr kumimoji="1" lang="ja-JP" altLang="en-US"/>
           </a:p>
@@ -4316,7 +4316,7 @@
           <a:p>
             <a:fld id="{05B1DBB0-D0CE-4499-8A6D-C73AC9430D35}" type="datetimeFigureOut">
               <a:rPr kumimoji="1" lang="ja-JP" altLang="en-US" smtClean="0"/>
-              <a:t>2017/4/4</a:t>
+              <a:t>2017/4/8</a:t>
             </a:fld>
             <a:endParaRPr kumimoji="1" lang="ja-JP" altLang="en-US"/>
           </a:p>
@@ -4434,7 +4434,7 @@
           <a:p>
             <a:fld id="{05B1DBB0-D0CE-4499-8A6D-C73AC9430D35}" type="datetimeFigureOut">
               <a:rPr kumimoji="1" lang="ja-JP" altLang="en-US" smtClean="0"/>
-              <a:t>2017/4/4</a:t>
+              <a:t>2017/4/8</a:t>
             </a:fld>
             <a:endParaRPr kumimoji="1" lang="ja-JP" altLang="en-US"/>
           </a:p>
@@ -4529,7 +4529,7 @@
           <a:p>
             <a:fld id="{05B1DBB0-D0CE-4499-8A6D-C73AC9430D35}" type="datetimeFigureOut">
               <a:rPr kumimoji="1" lang="ja-JP" altLang="en-US" smtClean="0"/>
-              <a:t>2017/4/4</a:t>
+              <a:t>2017/4/8</a:t>
             </a:fld>
             <a:endParaRPr kumimoji="1" lang="ja-JP" altLang="en-US"/>
           </a:p>
@@ -4838,7 +4838,7 @@
           <a:p>
             <a:fld id="{05B1DBB0-D0CE-4499-8A6D-C73AC9430D35}" type="datetimeFigureOut">
               <a:rPr kumimoji="1" lang="ja-JP" altLang="en-US" smtClean="0"/>
-              <a:t>2017/4/4</a:t>
+              <a:t>2017/4/8</a:t>
             </a:fld>
             <a:endParaRPr kumimoji="1" lang="ja-JP" altLang="en-US"/>
           </a:p>
@@ -5091,7 +5091,7 @@
           <a:p>
             <a:fld id="{05B1DBB0-D0CE-4499-8A6D-C73AC9430D35}" type="datetimeFigureOut">
               <a:rPr kumimoji="1" lang="ja-JP" altLang="en-US" smtClean="0"/>
-              <a:t>2017/4/4</a:t>
+              <a:t>2017/4/8</a:t>
             </a:fld>
             <a:endParaRPr kumimoji="1" lang="ja-JP" altLang="en-US"/>
           </a:p>
@@ -5336,7 +5336,7 @@
           <a:p>
             <a:fld id="{05B1DBB0-D0CE-4499-8A6D-C73AC9430D35}" type="datetimeFigureOut">
               <a:rPr kumimoji="1" lang="ja-JP" altLang="en-US" smtClean="0"/>
-              <a:t>2017/4/4</a:t>
+              <a:t>2017/4/8</a:t>
             </a:fld>
             <a:endParaRPr kumimoji="1" lang="ja-JP" altLang="en-US"/>
           </a:p>
@@ -5891,7 +5891,7 @@
           <a:p>
             <a:fld id="{1D8BD707-D9CF-40AE-B4C6-C98DA3205C09}" type="datetimeFigureOut">
               <a:rPr lang="en-US"/>
-              <a:t>4/4/2017</a:t>
+              <a:t>4/8/2017</a:t>
             </a:fld>
             <a:endParaRPr lang="en-US"/>
           </a:p>
@@ -6124,7 +6124,7 @@
           <p:nvPr>
             <p:extLst>
               <p:ext uri="{D42A27DB-BD31-4B8C-83A1-F6EECF244321}">
-                <p14:modId xmlns:p14="http://schemas.microsoft.com/office/powerpoint/2010/main" val="2033143251"/>
+                <p14:modId xmlns:p14="http://schemas.microsoft.com/office/powerpoint/2010/main" val="3358143286"/>
               </p:ext>
             </p:extLst>
           </p:nvPr>

--- a/figure/BarGraph_matrix_with_CCs_314.pptx
+++ b/figure/BarGraph_matrix_with_CCs_314.pptx
@@ -11,14 +11,14 @@
   <p:sldIdLst>
     <p:sldId id="257" r:id="rId3"/>
   </p:sldIdLst>
-  <p:sldSz cx="5551488" cy="3617913"/>
+  <p:sldSz cx="4073525" cy="2627313"/>
   <p:notesSz cx="6858000" cy="9144000"/>
   <p:defaultTextStyle>
     <a:defPPr>
       <a:defRPr lang="ja-JP"/>
     </a:defPPr>
-    <a:lvl1pPr marL="0" algn="l" defTabSz="224201" rtl="0" eaLnBrk="1" latinLnBrk="0" hangingPunct="1">
-      <a:defRPr kumimoji="1" sz="441" kern="1200">
+    <a:lvl1pPr marL="0" algn="l" defTabSz="207767" rtl="0" eaLnBrk="1" latinLnBrk="0" hangingPunct="1">
+      <a:defRPr kumimoji="1" sz="409" kern="1200">
         <a:solidFill>
           <a:schemeClr val="tx1"/>
         </a:solidFill>
@@ -27,8 +27,8 @@
         <a:cs typeface="+mn-cs"/>
       </a:defRPr>
     </a:lvl1pPr>
-    <a:lvl2pPr marL="112100" algn="l" defTabSz="224201" rtl="0" eaLnBrk="1" latinLnBrk="0" hangingPunct="1">
-      <a:defRPr kumimoji="1" sz="441" kern="1200">
+    <a:lvl2pPr marL="103883" algn="l" defTabSz="207767" rtl="0" eaLnBrk="1" latinLnBrk="0" hangingPunct="1">
+      <a:defRPr kumimoji="1" sz="409" kern="1200">
         <a:solidFill>
           <a:schemeClr val="tx1"/>
         </a:solidFill>
@@ -37,8 +37,8 @@
         <a:cs typeface="+mn-cs"/>
       </a:defRPr>
     </a:lvl2pPr>
-    <a:lvl3pPr marL="224201" algn="l" defTabSz="224201" rtl="0" eaLnBrk="1" latinLnBrk="0" hangingPunct="1">
-      <a:defRPr kumimoji="1" sz="441" kern="1200">
+    <a:lvl3pPr marL="207767" algn="l" defTabSz="207767" rtl="0" eaLnBrk="1" latinLnBrk="0" hangingPunct="1">
+      <a:defRPr kumimoji="1" sz="409" kern="1200">
         <a:solidFill>
           <a:schemeClr val="tx1"/>
         </a:solidFill>
@@ -47,8 +47,8 @@
         <a:cs typeface="+mn-cs"/>
       </a:defRPr>
     </a:lvl3pPr>
-    <a:lvl4pPr marL="336301" algn="l" defTabSz="224201" rtl="0" eaLnBrk="1" latinLnBrk="0" hangingPunct="1">
-      <a:defRPr kumimoji="1" sz="441" kern="1200">
+    <a:lvl4pPr marL="311650" algn="l" defTabSz="207767" rtl="0" eaLnBrk="1" latinLnBrk="0" hangingPunct="1">
+      <a:defRPr kumimoji="1" sz="409" kern="1200">
         <a:solidFill>
           <a:schemeClr val="tx1"/>
         </a:solidFill>
@@ -57,8 +57,8 @@
         <a:cs typeface="+mn-cs"/>
       </a:defRPr>
     </a:lvl4pPr>
-    <a:lvl5pPr marL="448401" algn="l" defTabSz="224201" rtl="0" eaLnBrk="1" latinLnBrk="0" hangingPunct="1">
-      <a:defRPr kumimoji="1" sz="441" kern="1200">
+    <a:lvl5pPr marL="415533" algn="l" defTabSz="207767" rtl="0" eaLnBrk="1" latinLnBrk="0" hangingPunct="1">
+      <a:defRPr kumimoji="1" sz="409" kern="1200">
         <a:solidFill>
           <a:schemeClr val="tx1"/>
         </a:solidFill>
@@ -67,8 +67,8 @@
         <a:cs typeface="+mn-cs"/>
       </a:defRPr>
     </a:lvl5pPr>
-    <a:lvl6pPr marL="560501" algn="l" defTabSz="224201" rtl="0" eaLnBrk="1" latinLnBrk="0" hangingPunct="1">
-      <a:defRPr kumimoji="1" sz="441" kern="1200">
+    <a:lvl6pPr marL="519416" algn="l" defTabSz="207767" rtl="0" eaLnBrk="1" latinLnBrk="0" hangingPunct="1">
+      <a:defRPr kumimoji="1" sz="409" kern="1200">
         <a:solidFill>
           <a:schemeClr val="tx1"/>
         </a:solidFill>
@@ -77,8 +77,8 @@
         <a:cs typeface="+mn-cs"/>
       </a:defRPr>
     </a:lvl6pPr>
-    <a:lvl7pPr marL="672602" algn="l" defTabSz="224201" rtl="0" eaLnBrk="1" latinLnBrk="0" hangingPunct="1">
-      <a:defRPr kumimoji="1" sz="441" kern="1200">
+    <a:lvl7pPr marL="623300" algn="l" defTabSz="207767" rtl="0" eaLnBrk="1" latinLnBrk="0" hangingPunct="1">
+      <a:defRPr kumimoji="1" sz="409" kern="1200">
         <a:solidFill>
           <a:schemeClr val="tx1"/>
         </a:solidFill>
@@ -87,8 +87,8 @@
         <a:cs typeface="+mn-cs"/>
       </a:defRPr>
     </a:lvl7pPr>
-    <a:lvl8pPr marL="784702" algn="l" defTabSz="224201" rtl="0" eaLnBrk="1" latinLnBrk="0" hangingPunct="1">
-      <a:defRPr kumimoji="1" sz="441" kern="1200">
+    <a:lvl8pPr marL="727183" algn="l" defTabSz="207767" rtl="0" eaLnBrk="1" latinLnBrk="0" hangingPunct="1">
+      <a:defRPr kumimoji="1" sz="409" kern="1200">
         <a:solidFill>
           <a:schemeClr val="tx1"/>
         </a:solidFill>
@@ -97,8 +97,8 @@
         <a:cs typeface="+mn-cs"/>
       </a:defRPr>
     </a:lvl8pPr>
-    <a:lvl9pPr marL="896802" algn="l" defTabSz="224201" rtl="0" eaLnBrk="1" latinLnBrk="0" hangingPunct="1">
-      <a:defRPr kumimoji="1" sz="441" kern="1200">
+    <a:lvl9pPr marL="831066" algn="l" defTabSz="207767" rtl="0" eaLnBrk="1" latinLnBrk="0" hangingPunct="1">
+      <a:defRPr kumimoji="1" sz="409" kern="1200">
         <a:solidFill>
           <a:schemeClr val="tx1"/>
         </a:solidFill>
@@ -157,12 +157,9 @@
         <a:lstStyle/>
         <a:p>
           <a:pPr>
-            <a:defRPr sz="1400" b="0" i="0" u="none" strike="noStrike" kern="1200" spc="0" baseline="0">
+            <a:defRPr sz="1600" b="0" i="0" u="none" strike="noStrike" kern="1200" spc="0" baseline="0">
               <a:solidFill>
-                <a:schemeClr val="tx1">
-                  <a:lumMod val="65000"/>
-                  <a:lumOff val="35000"/>
-                </a:schemeClr>
+                <a:sysClr val="windowText" lastClr="000000"/>
               </a:solidFill>
               <a:latin typeface="+mn-lt"/>
               <a:ea typeface="+mn-ea"/>
@@ -212,13 +209,13 @@
               <c:strCache>
                 <c:ptCount val="4"/>
                 <c:pt idx="0">
-                  <c:v>CC1-4: each 1thread</c:v>
+                  <c:v>CC1-4 1thread</c:v>
                 </c:pt>
                 <c:pt idx="1">
-                  <c:v>CC1-4: each 2thread</c:v>
+                  <c:v>CC1-4 2thread</c:v>
                 </c:pt>
                 <c:pt idx="2">
-                  <c:v>CC1-4: each 4thread</c:v>
+                  <c:v>CC1-4 4thread</c:v>
                 </c:pt>
                 <c:pt idx="3">
                   <c:v>IO DDR 4thread (cached)</c:v>
@@ -230,7 +227,7 @@
             <c:numRef>
               <c:f>'matrix 2'!$L$5:$O$5</c:f>
               <c:numCache>
-                <c:formatCode>General</c:formatCode>
+                <c:formatCode>#,##0.0_ </c:formatCode>
                 <c:ptCount val="4"/>
                 <c:pt idx="0">
                   <c:v>19.838640000000002</c:v>
@@ -249,7 +246,7 @@
           </c:val>
           <c:extLst>
             <c:ext xmlns:c16="http://schemas.microsoft.com/office/drawing/2014/chart" uri="{C3380CC4-5D6E-409C-BE32-E72D297353CC}">
-              <c16:uniqueId val="{00000000-FE17-467A-B213-F06CFB20A834}"/>
+              <c16:uniqueId val="{00000000-DE2D-44E5-ABA8-A27D5E993A37}"/>
             </c:ext>
           </c:extLst>
         </c:ser>
@@ -292,7 +289,7 @@
             </c:spPr>
             <c:extLst>
               <c:ext xmlns:c16="http://schemas.microsoft.com/office/drawing/2014/chart" uri="{C3380CC4-5D6E-409C-BE32-E72D297353CC}">
-                <c16:uniqueId val="{00000002-FE17-467A-B213-F06CFB20A834}"/>
+                <c16:uniqueId val="{00000002-DE2D-44E5-ABA8-A27D5E993A37}"/>
               </c:ext>
             </c:extLst>
           </c:dPt>
@@ -302,13 +299,13 @@
               <c:strCache>
                 <c:ptCount val="4"/>
                 <c:pt idx="0">
-                  <c:v>CC1-4: each 1thread</c:v>
+                  <c:v>CC1-4 1thread</c:v>
                 </c:pt>
                 <c:pt idx="1">
-                  <c:v>CC1-4: each 2thread</c:v>
+                  <c:v>CC1-4 2thread</c:v>
                 </c:pt>
                 <c:pt idx="2">
-                  <c:v>CC1-4: each 4thread</c:v>
+                  <c:v>CC1-4 4thread</c:v>
                 </c:pt>
                 <c:pt idx="3">
                   <c:v>IO DDR 4thread (cached)</c:v>
@@ -320,7 +317,7 @@
             <c:numRef>
               <c:f>'matrix 2'!$L$6:$O$6</c:f>
               <c:numCache>
-                <c:formatCode>General</c:formatCode>
+                <c:formatCode>#,##0.0_ </c:formatCode>
                 <c:ptCount val="4"/>
                 <c:pt idx="0">
                   <c:v>554.48348999999996</c:v>
@@ -339,7 +336,7 @@
           </c:val>
           <c:extLst>
             <c:ext xmlns:c16="http://schemas.microsoft.com/office/drawing/2014/chart" uri="{C3380CC4-5D6E-409C-BE32-E72D297353CC}">
-              <c16:uniqueId val="{00000003-FE17-467A-B213-F06CFB20A834}"/>
+              <c16:uniqueId val="{00000003-DE2D-44E5-ABA8-A27D5E993A37}"/>
             </c:ext>
           </c:extLst>
         </c:ser>
@@ -375,13 +372,13 @@
               <c:strCache>
                 <c:ptCount val="4"/>
                 <c:pt idx="0">
-                  <c:v>CC1-4: each 1thread</c:v>
+                  <c:v>CC1-4 1thread</c:v>
                 </c:pt>
                 <c:pt idx="1">
-                  <c:v>CC1-4: each 2thread</c:v>
+                  <c:v>CC1-4 2thread</c:v>
                 </c:pt>
                 <c:pt idx="2">
-                  <c:v>CC1-4: each 4thread</c:v>
+                  <c:v>CC1-4 4thread</c:v>
                 </c:pt>
                 <c:pt idx="3">
                   <c:v>IO DDR 4thread (cached)</c:v>
@@ -393,7 +390,7 @@
             <c:numRef>
               <c:f>'matrix 2'!$L$7:$O$7</c:f>
               <c:numCache>
-                <c:formatCode>General</c:formatCode>
+                <c:formatCode>#,##0.0_ </c:formatCode>
                 <c:ptCount val="4"/>
                 <c:pt idx="0">
                   <c:v>19.38513</c:v>
@@ -412,7 +409,7 @@
           </c:val>
           <c:extLst>
             <c:ext xmlns:c16="http://schemas.microsoft.com/office/drawing/2014/chart" uri="{C3380CC4-5D6E-409C-BE32-E72D297353CC}">
-              <c16:uniqueId val="{00000004-FE17-467A-B213-F06CFB20A834}"/>
+              <c16:uniqueId val="{00000004-DE2D-44E5-ABA8-A27D5E993A37}"/>
             </c:ext>
           </c:extLst>
         </c:ser>
@@ -458,7 +455,7 @@
           <a:lstStyle/>
           <a:p>
             <a:pPr>
-              <a:defRPr sz="900" b="0" i="0" u="none" strike="noStrike" kern="1200" baseline="0">
+              <a:defRPr sz="1100" b="0" i="0" u="none" strike="noStrike" kern="1200" baseline="0">
                 <a:solidFill>
                   <a:schemeClr val="tx1">
                     <a:lumMod val="65000"/>
@@ -507,41 +504,32 @@
               <a:bodyPr rot="-5400000" spcFirstLastPara="1" vertOverflow="ellipsis" vert="horz" wrap="square" anchor="ctr" anchorCtr="1"/>
               <a:lstStyle/>
               <a:p>
-                <a:pPr marL="0" marR="0" lvl="0" indent="0" algn="ctr" defTabSz="914400" rtl="0" eaLnBrk="1" fontAlgn="auto" latinLnBrk="0" hangingPunct="1">
-                  <a:lnSpc>
-                    <a:spcPct val="100000"/>
-                  </a:lnSpc>
-                  <a:spcBef>
-                    <a:spcPts val="0"/>
-                  </a:spcBef>
-                  <a:spcAft>
-                    <a:spcPts val="0"/>
-                  </a:spcAft>
-                  <a:buClrTx/>
-                  <a:buSzTx/>
-                  <a:buFontTx/>
-                  <a:buNone/>
-                  <a:tabLst/>
-                  <a:defRPr sz="1000" b="0" i="0" u="none" strike="noStrike" kern="1200" baseline="0">
+                <a:pPr algn="ctr" rtl="0">
+                  <a:defRPr sz="1200" b="0" i="0" u="none" strike="noStrike" kern="1200" baseline="0">
                     <a:solidFill>
-                      <a:sysClr val="windowText" lastClr="000000">
-                        <a:lumMod val="65000"/>
-                        <a:lumOff val="35000"/>
-                      </a:sysClr>
+                      <a:sysClr val="windowText" lastClr="000000"/>
                     </a:solidFill>
-                    <a:latin typeface="+mn-lt"/>
+                    <a:latin typeface="+mn-ea"/>
                     <a:ea typeface="+mn-ea"/>
                     <a:cs typeface="+mn-cs"/>
                   </a:defRPr>
                 </a:pPr>
                 <a:r>
-                  <a:rPr lang="en-US" altLang="ja-JP" sz="1050" b="0" i="0" baseline="0">
-                    <a:effectLst/>
+                  <a:rPr lang="en-US" sz="1200">
+                    <a:solidFill>
+                      <a:sysClr val="windowText" lastClr="000000"/>
+                    </a:solidFill>
+                    <a:latin typeface="+mn-ea"/>
+                    <a:ea typeface="+mn-ea"/>
                   </a:rPr>
                   <a:t> calculation time [ms]</a:t>
                 </a:r>
-                <a:endParaRPr lang="ja-JP" altLang="ja-JP" sz="500">
-                  <a:effectLst/>
+                <a:endParaRPr lang="ja-JP" sz="1200">
+                  <a:solidFill>
+                    <a:sysClr val="windowText" lastClr="000000"/>
+                  </a:solidFill>
+                  <a:latin typeface="+mn-ea"/>
+                  <a:ea typeface="+mn-ea"/>
                 </a:endParaRPr>
               </a:p>
             </c:rich>
@@ -550,8 +538,8 @@
             <c:manualLayout>
               <c:xMode val="edge"/>
               <c:yMode val="edge"/>
-              <c:x val="6.6206637693298181E-2"/>
-              <c:y val="0.20962181953158207"/>
+              <c:x val="8.4936570571032474E-2"/>
+              <c:y val="0.10872637219649378"/>
             </c:manualLayout>
           </c:layout>
           <c:overlay val="0"/>
@@ -566,29 +554,12 @@
             <a:bodyPr rot="-5400000" spcFirstLastPara="1" vertOverflow="ellipsis" vert="horz" wrap="square" anchor="ctr" anchorCtr="1"/>
             <a:lstStyle/>
             <a:p>
-              <a:pPr marL="0" marR="0" lvl="0" indent="0" algn="ctr" defTabSz="914400" rtl="0" eaLnBrk="1" fontAlgn="auto" latinLnBrk="0" hangingPunct="1">
-                <a:lnSpc>
-                  <a:spcPct val="100000"/>
-                </a:lnSpc>
-                <a:spcBef>
-                  <a:spcPts val="0"/>
-                </a:spcBef>
-                <a:spcAft>
-                  <a:spcPts val="0"/>
-                </a:spcAft>
-                <a:buClrTx/>
-                <a:buSzTx/>
-                <a:buFontTx/>
-                <a:buNone/>
-                <a:tabLst/>
-                <a:defRPr sz="1000" b="0" i="0" u="none" strike="noStrike" kern="1200" baseline="0">
+              <a:pPr algn="ctr" rtl="0">
+                <a:defRPr sz="1200" b="0" i="0" u="none" strike="noStrike" kern="1200" baseline="0">
                   <a:solidFill>
-                    <a:sysClr val="windowText" lastClr="000000">
-                      <a:lumMod val="65000"/>
-                      <a:lumOff val="35000"/>
-                    </a:sysClr>
+                    <a:sysClr val="windowText" lastClr="000000"/>
                   </a:solidFill>
-                  <a:latin typeface="+mn-lt"/>
+                  <a:latin typeface="+mn-ea"/>
                   <a:ea typeface="+mn-ea"/>
                   <a:cs typeface="+mn-cs"/>
                 </a:defRPr>
@@ -597,7 +568,7 @@
             </a:p>
           </c:txPr>
         </c:title>
-        <c:numFmt formatCode="General" sourceLinked="1"/>
+        <c:numFmt formatCode="#,##0_ " sourceLinked="0"/>
         <c:majorTickMark val="none"/>
         <c:minorTickMark val="none"/>
         <c:tickLblPos val="nextTo"/>
@@ -613,12 +584,9 @@
           <a:lstStyle/>
           <a:p>
             <a:pPr>
-              <a:defRPr sz="900" b="0" i="0" u="none" strike="noStrike" kern="1200" baseline="0">
+              <a:defRPr sz="1200" b="0" i="0" u="none" strike="noStrike" kern="1200" baseline="0">
                 <a:solidFill>
-                  <a:schemeClr val="tx1">
-                    <a:lumMod val="65000"/>
-                    <a:lumOff val="35000"/>
-                  </a:schemeClr>
+                  <a:schemeClr val="tx1"/>
                 </a:solidFill>
                 <a:latin typeface="+mn-lt"/>
                 <a:ea typeface="+mn-ea"/>
@@ -655,12 +623,9 @@
           <a:lstStyle/>
           <a:p>
             <a:pPr rtl="0">
-              <a:defRPr sz="900" b="0" i="0" u="none" strike="noStrike" kern="1200" baseline="0">
+              <a:defRPr sz="1000" b="0" i="0" u="none" strike="noStrike" kern="1200" baseline="0">
                 <a:solidFill>
-                  <a:schemeClr val="tx1">
-                    <a:lumMod val="65000"/>
-                    <a:lumOff val="35000"/>
-                  </a:schemeClr>
+                  <a:sysClr val="windowText" lastClr="000000"/>
                 </a:solidFill>
                 <a:latin typeface="+mn-lt"/>
                 <a:ea typeface="+mn-ea"/>
@@ -695,7 +660,7 @@
     <a:lstStyle/>
     <a:p>
       <a:pPr>
-        <a:defRPr/>
+        <a:defRPr sz="1100"/>
       </a:pPr>
       <a:endParaRPr lang="ja-JP"/>
     </a:p>
@@ -1299,7 +1264,7 @@
           <a:p>
             <a:fld id="{7F0095D0-A9E1-4B64-AAAF-C179389DF804}" type="datetimeFigureOut">
               <a:rPr kumimoji="1" lang="ja-JP" altLang="en-US" smtClean="0"/>
-              <a:t>2017/4/8</a:t>
+              <a:t>2017/6/2</a:t>
             </a:fld>
             <a:endParaRPr kumimoji="1" lang="ja-JP" altLang="en-US"/>
           </a:p>
@@ -1317,8 +1282,8 @@
         </p:nvSpPr>
         <p:spPr>
           <a:xfrm>
-            <a:off x="1062038" y="1143000"/>
-            <a:ext cx="4733925" cy="3086100"/>
+            <a:off x="1036638" y="1143000"/>
+            <a:ext cx="4784725" cy="3086100"/>
           </a:xfrm>
           <a:prstGeom prst="rect">
             <a:avLst/>
@@ -1505,8 +1470,8 @@
   </p:cSld>
   <p:clrMap bg1="lt1" tx1="dk1" bg2="lt2" tx2="dk2" accent1="accent1" accent2="accent2" accent3="accent3" accent4="accent4" accent5="accent5" accent6="accent6" hlink="hlink" folHlink="folHlink"/>
   <p:notesStyle>
-    <a:lvl1pPr marL="0" algn="l" defTabSz="224201" rtl="0" eaLnBrk="1" latinLnBrk="0" hangingPunct="1">
-      <a:defRPr kumimoji="1" sz="294" kern="1200">
+    <a:lvl1pPr marL="0" algn="l" defTabSz="207767" rtl="0" eaLnBrk="1" latinLnBrk="0" hangingPunct="1">
+      <a:defRPr kumimoji="1" sz="272" kern="1200">
         <a:solidFill>
           <a:schemeClr val="tx1"/>
         </a:solidFill>
@@ -1515,8 +1480,8 @@
         <a:cs typeface="+mn-cs"/>
       </a:defRPr>
     </a:lvl1pPr>
-    <a:lvl2pPr marL="112100" algn="l" defTabSz="224201" rtl="0" eaLnBrk="1" latinLnBrk="0" hangingPunct="1">
-      <a:defRPr kumimoji="1" sz="294" kern="1200">
+    <a:lvl2pPr marL="103883" algn="l" defTabSz="207767" rtl="0" eaLnBrk="1" latinLnBrk="0" hangingPunct="1">
+      <a:defRPr kumimoji="1" sz="272" kern="1200">
         <a:solidFill>
           <a:schemeClr val="tx1"/>
         </a:solidFill>
@@ -1525,8 +1490,8 @@
         <a:cs typeface="+mn-cs"/>
       </a:defRPr>
     </a:lvl2pPr>
-    <a:lvl3pPr marL="224201" algn="l" defTabSz="224201" rtl="0" eaLnBrk="1" latinLnBrk="0" hangingPunct="1">
-      <a:defRPr kumimoji="1" sz="294" kern="1200">
+    <a:lvl3pPr marL="207767" algn="l" defTabSz="207767" rtl="0" eaLnBrk="1" latinLnBrk="0" hangingPunct="1">
+      <a:defRPr kumimoji="1" sz="272" kern="1200">
         <a:solidFill>
           <a:schemeClr val="tx1"/>
         </a:solidFill>
@@ -1535,8 +1500,8 @@
         <a:cs typeface="+mn-cs"/>
       </a:defRPr>
     </a:lvl3pPr>
-    <a:lvl4pPr marL="336301" algn="l" defTabSz="224201" rtl="0" eaLnBrk="1" latinLnBrk="0" hangingPunct="1">
-      <a:defRPr kumimoji="1" sz="294" kern="1200">
+    <a:lvl4pPr marL="311650" algn="l" defTabSz="207767" rtl="0" eaLnBrk="1" latinLnBrk="0" hangingPunct="1">
+      <a:defRPr kumimoji="1" sz="272" kern="1200">
         <a:solidFill>
           <a:schemeClr val="tx1"/>
         </a:solidFill>
@@ -1545,8 +1510,8 @@
         <a:cs typeface="+mn-cs"/>
       </a:defRPr>
     </a:lvl4pPr>
-    <a:lvl5pPr marL="448401" algn="l" defTabSz="224201" rtl="0" eaLnBrk="1" latinLnBrk="0" hangingPunct="1">
-      <a:defRPr kumimoji="1" sz="294" kern="1200">
+    <a:lvl5pPr marL="415533" algn="l" defTabSz="207767" rtl="0" eaLnBrk="1" latinLnBrk="0" hangingPunct="1">
+      <a:defRPr kumimoji="1" sz="272" kern="1200">
         <a:solidFill>
           <a:schemeClr val="tx1"/>
         </a:solidFill>
@@ -1555,8 +1520,8 @@
         <a:cs typeface="+mn-cs"/>
       </a:defRPr>
     </a:lvl5pPr>
-    <a:lvl6pPr marL="560501" algn="l" defTabSz="224201" rtl="0" eaLnBrk="1" latinLnBrk="0" hangingPunct="1">
-      <a:defRPr kumimoji="1" sz="294" kern="1200">
+    <a:lvl6pPr marL="519416" algn="l" defTabSz="207767" rtl="0" eaLnBrk="1" latinLnBrk="0" hangingPunct="1">
+      <a:defRPr kumimoji="1" sz="272" kern="1200">
         <a:solidFill>
           <a:schemeClr val="tx1"/>
         </a:solidFill>
@@ -1565,8 +1530,8 @@
         <a:cs typeface="+mn-cs"/>
       </a:defRPr>
     </a:lvl6pPr>
-    <a:lvl7pPr marL="672602" algn="l" defTabSz="224201" rtl="0" eaLnBrk="1" latinLnBrk="0" hangingPunct="1">
-      <a:defRPr kumimoji="1" sz="294" kern="1200">
+    <a:lvl7pPr marL="623300" algn="l" defTabSz="207767" rtl="0" eaLnBrk="1" latinLnBrk="0" hangingPunct="1">
+      <a:defRPr kumimoji="1" sz="272" kern="1200">
         <a:solidFill>
           <a:schemeClr val="tx1"/>
         </a:solidFill>
@@ -1575,8 +1540,8 @@
         <a:cs typeface="+mn-cs"/>
       </a:defRPr>
     </a:lvl7pPr>
-    <a:lvl8pPr marL="784702" algn="l" defTabSz="224201" rtl="0" eaLnBrk="1" latinLnBrk="0" hangingPunct="1">
-      <a:defRPr kumimoji="1" sz="294" kern="1200">
+    <a:lvl8pPr marL="727183" algn="l" defTabSz="207767" rtl="0" eaLnBrk="1" latinLnBrk="0" hangingPunct="1">
+      <a:defRPr kumimoji="1" sz="272" kern="1200">
         <a:solidFill>
           <a:schemeClr val="tx1"/>
         </a:solidFill>
@@ -1585,8 +1550,8 @@
         <a:cs typeface="+mn-cs"/>
       </a:defRPr>
     </a:lvl8pPr>
-    <a:lvl9pPr marL="896802" algn="l" defTabSz="224201" rtl="0" eaLnBrk="1" latinLnBrk="0" hangingPunct="1">
-      <a:defRPr kumimoji="1" sz="294" kern="1200">
+    <a:lvl9pPr marL="831066" algn="l" defTabSz="207767" rtl="0" eaLnBrk="1" latinLnBrk="0" hangingPunct="1">
+      <a:defRPr kumimoji="1" sz="272" kern="1200">
         <a:solidFill>
           <a:schemeClr val="tx1"/>
         </a:solidFill>
@@ -1628,8 +1593,8 @@
         </p:nvSpPr>
         <p:spPr>
           <a:xfrm>
-            <a:off x="1062038" y="1143000"/>
-            <a:ext cx="4733925" cy="3086100"/>
+            <a:off x="1036638" y="1143000"/>
+            <a:ext cx="4784725" cy="3086100"/>
           </a:xfrm>
         </p:spPr>
       </p:sp>
@@ -1781,15 +1746,15 @@
         </p:nvSpPr>
         <p:spPr>
           <a:xfrm>
-            <a:off x="693937" y="592099"/>
-            <a:ext cx="4163615" cy="1259570"/>
+            <a:off x="509194" y="429981"/>
+            <a:ext cx="3055143" cy="914695"/>
           </a:xfrm>
         </p:spPr>
         <p:txBody>
           <a:bodyPr anchor="b"/>
           <a:lstStyle>
             <a:lvl1pPr algn="ctr">
-              <a:defRPr sz="25052"/>
+              <a:defRPr sz="49276"/>
             </a:lvl1pPr>
           </a:lstStyle>
           <a:p>
@@ -1813,8 +1778,8 @@
         </p:nvSpPr>
         <p:spPr>
           <a:xfrm>
-            <a:off x="693937" y="1900245"/>
-            <a:ext cx="4163615" cy="873491"/>
+            <a:off x="509194" y="1379950"/>
+            <a:ext cx="3055143" cy="634325"/>
           </a:xfrm>
         </p:spPr>
         <p:txBody>
@@ -1822,39 +1787,39 @@
           <a:lstStyle>
             <a:lvl1pPr marL="0" indent="0" algn="ctr">
               <a:buNone/>
-              <a:defRPr sz="10022"/>
+              <a:defRPr sz="19713"/>
             </a:lvl1pPr>
-            <a:lvl2pPr marL="1908988" indent="0" algn="ctr">
+            <a:lvl2pPr marL="3755022" indent="0" algn="ctr">
               <a:buNone/>
-              <a:defRPr sz="8354"/>
+              <a:defRPr sz="16433"/>
             </a:lvl2pPr>
-            <a:lvl3pPr marL="3817974" indent="0" algn="ctr">
+            <a:lvl3pPr marL="7510041" indent="0" algn="ctr">
               <a:buNone/>
-              <a:defRPr sz="7518"/>
+              <a:defRPr sz="14787"/>
             </a:lvl3pPr>
-            <a:lvl4pPr marL="5726957" indent="0" algn="ctr">
+            <a:lvl4pPr marL="11265052" indent="0" algn="ctr">
               <a:buNone/>
-              <a:defRPr sz="6681"/>
+              <a:defRPr sz="13142"/>
             </a:lvl4pPr>
-            <a:lvl5pPr marL="7635945" indent="0" algn="ctr">
+            <a:lvl5pPr marL="15020075" indent="0" algn="ctr">
               <a:buNone/>
-              <a:defRPr sz="6681"/>
+              <a:defRPr sz="13142"/>
             </a:lvl5pPr>
-            <a:lvl6pPr marL="9544931" indent="0" algn="ctr">
+            <a:lvl6pPr marL="18775093" indent="0" algn="ctr">
               <a:buNone/>
-              <a:defRPr sz="6681"/>
+              <a:defRPr sz="13142"/>
             </a:lvl6pPr>
-            <a:lvl7pPr marL="11453914" indent="0" algn="ctr">
+            <a:lvl7pPr marL="22530106" indent="0" algn="ctr">
               <a:buNone/>
-              <a:defRPr sz="6681"/>
+              <a:defRPr sz="13142"/>
             </a:lvl7pPr>
-            <a:lvl8pPr marL="13362904" indent="0" algn="ctr">
+            <a:lvl8pPr marL="26285131" indent="0" algn="ctr">
               <a:buNone/>
-              <a:defRPr sz="6681"/>
+              <a:defRPr sz="13142"/>
             </a:lvl8pPr>
-            <a:lvl9pPr marL="15271888" indent="0" algn="ctr">
+            <a:lvl9pPr marL="30040146" indent="0" algn="ctr">
               <a:buNone/>
-              <a:defRPr sz="6681"/>
+              <a:defRPr sz="13142"/>
             </a:lvl9pPr>
           </a:lstStyle>
           <a:p>
@@ -1883,7 +1848,7 @@
           <a:p>
             <a:fld id="{05B1DBB0-D0CE-4499-8A6D-C73AC9430D35}" type="datetimeFigureOut">
               <a:rPr kumimoji="1" lang="ja-JP" altLang="en-US" smtClean="0"/>
-              <a:t>2017/4/8</a:t>
+              <a:t>2017/6/2</a:t>
             </a:fld>
             <a:endParaRPr kumimoji="1" lang="ja-JP" altLang="en-US"/>
           </a:p>
@@ -2085,7 +2050,7 @@
           <a:p>
             <a:fld id="{05B1DBB0-D0CE-4499-8A6D-C73AC9430D35}" type="datetimeFigureOut">
               <a:rPr kumimoji="1" lang="ja-JP" altLang="en-US" smtClean="0"/>
-              <a:t>2017/4/8</a:t>
+              <a:t>2017/6/2</a:t>
             </a:fld>
             <a:endParaRPr kumimoji="1" lang="ja-JP" altLang="en-US"/>
           </a:p>
@@ -2175,8 +2140,8 @@
         </p:nvSpPr>
         <p:spPr>
           <a:xfrm>
-            <a:off x="3972784" y="192620"/>
-            <a:ext cx="1197040" cy="3066014"/>
+            <a:off x="2915119" y="139882"/>
+            <a:ext cx="878354" cy="2226526"/>
           </a:xfrm>
         </p:spPr>
         <p:txBody>
@@ -2203,8 +2168,8 @@
         </p:nvSpPr>
         <p:spPr>
           <a:xfrm>
-            <a:off x="381665" y="192620"/>
-            <a:ext cx="3521726" cy="3066014"/>
+            <a:off x="280057" y="139882"/>
+            <a:ext cx="2584144" cy="2226526"/>
           </a:xfrm>
         </p:spPr>
         <p:txBody>
@@ -2297,7 +2262,7 @@
           <a:p>
             <a:fld id="{05B1DBB0-D0CE-4499-8A6D-C73AC9430D35}" type="datetimeFigureOut">
               <a:rPr kumimoji="1" lang="ja-JP" altLang="en-US" smtClean="0"/>
-              <a:t>2017/4/8</a:t>
+              <a:t>2017/6/2</a:t>
             </a:fld>
             <a:endParaRPr kumimoji="1" lang="ja-JP" altLang="en-US"/>
           </a:p>
@@ -2387,8 +2352,8 @@
         </p:nvSpPr>
         <p:spPr>
           <a:xfrm>
-            <a:off x="416713" y="1121557"/>
-            <a:ext cx="4722730" cy="276999"/>
+            <a:off x="305772" y="814473"/>
+            <a:ext cx="3465406" cy="282809"/>
           </a:xfrm>
           <a:prstGeom prst="rect">
             <a:avLst/>
@@ -2420,8 +2385,8 @@
         </p:nvSpPr>
         <p:spPr>
           <a:xfrm>
-            <a:off x="833423" y="2026037"/>
-            <a:ext cx="3889307" cy="276999"/>
+            <a:off x="611546" y="1471303"/>
+            <a:ext cx="2853863" cy="282809"/>
           </a:xfrm>
           <a:prstGeom prst="rect">
             <a:avLst/>
@@ -2497,7 +2462,7 @@
           <a:p>
             <a:fld id="{1D8BD707-D9CF-40AE-B4C6-C98DA3205C09}" type="datetimeFigureOut">
               <a:rPr lang="en-US"/>
-              <a:t>4/8/2017</a:t>
+              <a:t>6/2/2017</a:t>
             </a:fld>
             <a:endParaRPr lang="en-US"/>
           </a:p>
@@ -2667,7 +2632,7 @@
           <a:p>
             <a:fld id="{1D8BD707-D9CF-40AE-B4C6-C98DA3205C09}" type="datetimeFigureOut">
               <a:rPr lang="en-US"/>
-              <a:t>4/8/2017</a:t>
+              <a:t>6/2/2017</a:t>
             </a:fld>
             <a:endParaRPr lang="en-US"/>
           </a:p>
@@ -2770,8 +2735,8 @@
         </p:nvSpPr>
         <p:spPr>
           <a:xfrm>
-            <a:off x="277810" y="832122"/>
-            <a:ext cx="2416925" cy="276999"/>
+            <a:off x="203854" y="604286"/>
+            <a:ext cx="1773471" cy="282809"/>
           </a:xfrm>
           <a:prstGeom prst="rect">
             <a:avLst/>
@@ -2803,8 +2768,8 @@
         </p:nvSpPr>
         <p:spPr>
           <a:xfrm>
-            <a:off x="2861420" y="832122"/>
-            <a:ext cx="2416925" cy="276999"/>
+            <a:off x="2099634" y="604286"/>
+            <a:ext cx="1773471" cy="282809"/>
           </a:xfrm>
           <a:prstGeom prst="rect">
             <a:avLst/>
@@ -2880,7 +2845,7 @@
           <a:p>
             <a:fld id="{1D8BD707-D9CF-40AE-B4C6-C98DA3205C09}" type="datetimeFigureOut">
               <a:rPr lang="en-US"/>
-              <a:t>4/8/2017</a:t>
+              <a:t>6/2/2017</a:t>
             </a:fld>
             <a:endParaRPr lang="en-US"/>
           </a:p>
@@ -3027,7 +2992,7 @@
           <a:p>
             <a:fld id="{1D8BD707-D9CF-40AE-B4C6-C98DA3205C09}" type="datetimeFigureOut">
               <a:rPr lang="en-US"/>
-              <a:t>4/8/2017</a:t>
+              <a:t>6/2/2017</a:t>
             </a:fld>
             <a:endParaRPr lang="en-US"/>
           </a:p>
@@ -3151,7 +3116,7 @@
           <a:p>
             <a:fld id="{1D8BD707-D9CF-40AE-B4C6-C98DA3205C09}" type="datetimeFigureOut">
               <a:rPr lang="en-US"/>
-              <a:t>4/8/2017</a:t>
+              <a:t>6/2/2017</a:t>
             </a:fld>
             <a:endParaRPr lang="en-US"/>
           </a:p>
@@ -3343,7 +3308,7 @@
           <a:p>
             <a:fld id="{05B1DBB0-D0CE-4499-8A6D-C73AC9430D35}" type="datetimeFigureOut">
               <a:rPr kumimoji="1" lang="ja-JP" altLang="en-US" smtClean="0"/>
-              <a:t>2017/4/8</a:t>
+              <a:t>2017/6/2</a:t>
             </a:fld>
             <a:endParaRPr kumimoji="1" lang="ja-JP" altLang="en-US"/>
           </a:p>
@@ -3433,15 +3398,15 @@
         </p:nvSpPr>
         <p:spPr>
           <a:xfrm>
-            <a:off x="378774" y="901968"/>
-            <a:ext cx="4788158" cy="1504951"/>
+            <a:off x="277939" y="655012"/>
+            <a:ext cx="3513415" cy="1092889"/>
           </a:xfrm>
         </p:spPr>
         <p:txBody>
           <a:bodyPr anchor="b"/>
           <a:lstStyle>
             <a:lvl1pPr>
-              <a:defRPr sz="25052"/>
+              <a:defRPr sz="49276"/>
             </a:lvl1pPr>
           </a:lstStyle>
           <a:p>
@@ -3465,8 +3430,8 @@
         </p:nvSpPr>
         <p:spPr>
           <a:xfrm>
-            <a:off x="378774" y="2421156"/>
-            <a:ext cx="4788158" cy="791418"/>
+            <a:off x="277939" y="1758240"/>
+            <a:ext cx="3513415" cy="574724"/>
           </a:xfrm>
         </p:spPr>
         <p:txBody>
@@ -3474,7 +3439,7 @@
           <a:lstStyle>
             <a:lvl1pPr marL="0" indent="0">
               <a:buNone/>
-              <a:defRPr sz="10022">
+              <a:defRPr sz="19713">
                 <a:solidFill>
                   <a:schemeClr val="tx1">
                     <a:tint val="75000"/>
@@ -3482,9 +3447,9 @@
                 </a:solidFill>
               </a:defRPr>
             </a:lvl1pPr>
-            <a:lvl2pPr marL="1908988" indent="0">
+            <a:lvl2pPr marL="3755022" indent="0">
               <a:buNone/>
-              <a:defRPr sz="8354">
+              <a:defRPr sz="16433">
                 <a:solidFill>
                   <a:schemeClr val="tx1">
                     <a:tint val="75000"/>
@@ -3492,9 +3457,9 @@
                 </a:solidFill>
               </a:defRPr>
             </a:lvl2pPr>
-            <a:lvl3pPr marL="3817974" indent="0">
+            <a:lvl3pPr marL="7510041" indent="0">
               <a:buNone/>
-              <a:defRPr sz="7518">
+              <a:defRPr sz="14787">
                 <a:solidFill>
                   <a:schemeClr val="tx1">
                     <a:tint val="75000"/>
@@ -3502,9 +3467,9 @@
                 </a:solidFill>
               </a:defRPr>
             </a:lvl3pPr>
-            <a:lvl4pPr marL="5726957" indent="0">
+            <a:lvl4pPr marL="11265052" indent="0">
               <a:buNone/>
-              <a:defRPr sz="6681">
+              <a:defRPr sz="13142">
                 <a:solidFill>
                   <a:schemeClr val="tx1">
                     <a:tint val="75000"/>
@@ -3512,9 +3477,9 @@
                 </a:solidFill>
               </a:defRPr>
             </a:lvl4pPr>
-            <a:lvl5pPr marL="7635945" indent="0">
+            <a:lvl5pPr marL="15020075" indent="0">
               <a:buNone/>
-              <a:defRPr sz="6681">
+              <a:defRPr sz="13142">
                 <a:solidFill>
                   <a:schemeClr val="tx1">
                     <a:tint val="75000"/>
@@ -3522,9 +3487,9 @@
                 </a:solidFill>
               </a:defRPr>
             </a:lvl5pPr>
-            <a:lvl6pPr marL="9544931" indent="0">
+            <a:lvl6pPr marL="18775093" indent="0">
               <a:buNone/>
-              <a:defRPr sz="6681">
+              <a:defRPr sz="13142">
                 <a:solidFill>
                   <a:schemeClr val="tx1">
                     <a:tint val="75000"/>
@@ -3532,9 +3497,9 @@
                 </a:solidFill>
               </a:defRPr>
             </a:lvl6pPr>
-            <a:lvl7pPr marL="11453914" indent="0">
+            <a:lvl7pPr marL="22530106" indent="0">
               <a:buNone/>
-              <a:defRPr sz="6681">
+              <a:defRPr sz="13142">
                 <a:solidFill>
                   <a:schemeClr val="tx1">
                     <a:tint val="75000"/>
@@ -3542,9 +3507,9 @@
                 </a:solidFill>
               </a:defRPr>
             </a:lvl7pPr>
-            <a:lvl8pPr marL="13362904" indent="0">
+            <a:lvl8pPr marL="26285131" indent="0">
               <a:buNone/>
-              <a:defRPr sz="6681">
+              <a:defRPr sz="13142">
                 <a:solidFill>
                   <a:schemeClr val="tx1">
                     <a:tint val="75000"/>
@@ -3552,9 +3517,9 @@
                 </a:solidFill>
               </a:defRPr>
             </a:lvl8pPr>
-            <a:lvl9pPr marL="15271888" indent="0">
+            <a:lvl9pPr marL="30040146" indent="0">
               <a:buNone/>
-              <a:defRPr sz="6681">
+              <a:defRPr sz="13142">
                 <a:solidFill>
                   <a:schemeClr val="tx1">
                     <a:tint val="75000"/>
@@ -3589,7 +3554,7 @@
           <a:p>
             <a:fld id="{05B1DBB0-D0CE-4499-8A6D-C73AC9430D35}" type="datetimeFigureOut">
               <a:rPr kumimoji="1" lang="ja-JP" altLang="en-US" smtClean="0"/>
-              <a:t>2017/4/8</a:t>
+              <a:t>2017/6/2</a:t>
             </a:fld>
             <a:endParaRPr kumimoji="1" lang="ja-JP" altLang="en-US"/>
           </a:p>
@@ -3702,8 +3667,8 @@
         </p:nvSpPr>
         <p:spPr>
           <a:xfrm>
-            <a:off x="381667" y="963105"/>
-            <a:ext cx="2359382" cy="2295533"/>
+            <a:off x="280063" y="699405"/>
+            <a:ext cx="1731249" cy="1667006"/>
           </a:xfrm>
         </p:spPr>
         <p:txBody>
@@ -3791,8 +3756,8 @@
         </p:nvSpPr>
         <p:spPr>
           <a:xfrm>
-            <a:off x="2810443" y="963105"/>
-            <a:ext cx="2359382" cy="2295533"/>
+            <a:off x="2062230" y="699405"/>
+            <a:ext cx="1731249" cy="1667006"/>
           </a:xfrm>
         </p:spPr>
         <p:txBody>
@@ -3885,7 +3850,7 @@
           <a:p>
             <a:fld id="{05B1DBB0-D0CE-4499-8A6D-C73AC9430D35}" type="datetimeFigureOut">
               <a:rPr kumimoji="1" lang="ja-JP" altLang="en-US" smtClean="0"/>
-              <a:t>2017/4/8</a:t>
+              <a:t>2017/6/2</a:t>
             </a:fld>
             <a:endParaRPr kumimoji="1" lang="ja-JP" altLang="en-US"/>
           </a:p>
@@ -3975,8 +3940,8 @@
         </p:nvSpPr>
         <p:spPr>
           <a:xfrm>
-            <a:off x="382390" y="192621"/>
-            <a:ext cx="4788158" cy="699296"/>
+            <a:off x="280589" y="139881"/>
+            <a:ext cx="3513415" cy="507825"/>
           </a:xfrm>
         </p:spPr>
         <p:txBody>
@@ -4003,8 +3968,8 @@
         </p:nvSpPr>
         <p:spPr>
           <a:xfrm>
-            <a:off x="382390" y="886892"/>
-            <a:ext cx="2348539" cy="434652"/>
+            <a:off x="280589" y="644056"/>
+            <a:ext cx="1723292" cy="315643"/>
           </a:xfrm>
         </p:spPr>
         <p:txBody>
@@ -4012,39 +3977,39 @@
           <a:lstStyle>
             <a:lvl1pPr marL="0" indent="0">
               <a:buNone/>
-              <a:defRPr sz="10022" b="1"/>
+              <a:defRPr sz="19713" b="1"/>
             </a:lvl1pPr>
-            <a:lvl2pPr marL="1908988" indent="0">
+            <a:lvl2pPr marL="3755022" indent="0">
               <a:buNone/>
-              <a:defRPr sz="8354" b="1"/>
+              <a:defRPr sz="16433" b="1"/>
             </a:lvl2pPr>
-            <a:lvl3pPr marL="3817974" indent="0">
+            <a:lvl3pPr marL="7510041" indent="0">
               <a:buNone/>
-              <a:defRPr sz="7518" b="1"/>
+              <a:defRPr sz="14787" b="1"/>
             </a:lvl3pPr>
-            <a:lvl4pPr marL="5726957" indent="0">
+            <a:lvl4pPr marL="11265052" indent="0">
               <a:buNone/>
-              <a:defRPr sz="6681" b="1"/>
+              <a:defRPr sz="13142" b="1"/>
             </a:lvl4pPr>
-            <a:lvl5pPr marL="7635945" indent="0">
+            <a:lvl5pPr marL="15020075" indent="0">
               <a:buNone/>
-              <a:defRPr sz="6681" b="1"/>
+              <a:defRPr sz="13142" b="1"/>
             </a:lvl5pPr>
-            <a:lvl6pPr marL="9544931" indent="0">
+            <a:lvl6pPr marL="18775093" indent="0">
               <a:buNone/>
-              <a:defRPr sz="6681" b="1"/>
+              <a:defRPr sz="13142" b="1"/>
             </a:lvl6pPr>
-            <a:lvl7pPr marL="11453914" indent="0">
+            <a:lvl7pPr marL="22530106" indent="0">
               <a:buNone/>
-              <a:defRPr sz="6681" b="1"/>
+              <a:defRPr sz="13142" b="1"/>
             </a:lvl7pPr>
-            <a:lvl8pPr marL="13362904" indent="0">
+            <a:lvl8pPr marL="26285131" indent="0">
               <a:buNone/>
-              <a:defRPr sz="6681" b="1"/>
+              <a:defRPr sz="13142" b="1"/>
             </a:lvl8pPr>
-            <a:lvl9pPr marL="15271888" indent="0">
+            <a:lvl9pPr marL="30040146" indent="0">
               <a:buNone/>
-              <a:defRPr sz="6681" b="1"/>
+              <a:defRPr sz="13142" b="1"/>
             </a:lvl9pPr>
           </a:lstStyle>
           <a:p>
@@ -4068,8 +4033,8 @@
         </p:nvSpPr>
         <p:spPr>
           <a:xfrm>
-            <a:off x="382390" y="1321547"/>
-            <a:ext cx="2348539" cy="1943791"/>
+            <a:off x="280589" y="959708"/>
+            <a:ext cx="1723292" cy="1411572"/>
           </a:xfrm>
         </p:spPr>
         <p:txBody>
@@ -4157,8 +4122,8 @@
         </p:nvSpPr>
         <p:spPr>
           <a:xfrm>
-            <a:off x="2810444" y="886892"/>
-            <a:ext cx="2360105" cy="434652"/>
+            <a:off x="2062230" y="644056"/>
+            <a:ext cx="1731779" cy="315643"/>
           </a:xfrm>
         </p:spPr>
         <p:txBody>
@@ -4166,39 +4131,39 @@
           <a:lstStyle>
             <a:lvl1pPr marL="0" indent="0">
               <a:buNone/>
-              <a:defRPr sz="10022" b="1"/>
+              <a:defRPr sz="19713" b="1"/>
             </a:lvl1pPr>
-            <a:lvl2pPr marL="1908988" indent="0">
+            <a:lvl2pPr marL="3755022" indent="0">
               <a:buNone/>
-              <a:defRPr sz="8354" b="1"/>
+              <a:defRPr sz="16433" b="1"/>
             </a:lvl2pPr>
-            <a:lvl3pPr marL="3817974" indent="0">
+            <a:lvl3pPr marL="7510041" indent="0">
               <a:buNone/>
-              <a:defRPr sz="7518" b="1"/>
+              <a:defRPr sz="14787" b="1"/>
             </a:lvl3pPr>
-            <a:lvl4pPr marL="5726957" indent="0">
+            <a:lvl4pPr marL="11265052" indent="0">
               <a:buNone/>
-              <a:defRPr sz="6681" b="1"/>
+              <a:defRPr sz="13142" b="1"/>
             </a:lvl4pPr>
-            <a:lvl5pPr marL="7635945" indent="0">
+            <a:lvl5pPr marL="15020075" indent="0">
               <a:buNone/>
-              <a:defRPr sz="6681" b="1"/>
+              <a:defRPr sz="13142" b="1"/>
             </a:lvl5pPr>
-            <a:lvl6pPr marL="9544931" indent="0">
+            <a:lvl6pPr marL="18775093" indent="0">
               <a:buNone/>
-              <a:defRPr sz="6681" b="1"/>
+              <a:defRPr sz="13142" b="1"/>
             </a:lvl6pPr>
-            <a:lvl7pPr marL="11453914" indent="0">
+            <a:lvl7pPr marL="22530106" indent="0">
               <a:buNone/>
-              <a:defRPr sz="6681" b="1"/>
+              <a:defRPr sz="13142" b="1"/>
             </a:lvl7pPr>
-            <a:lvl8pPr marL="13362904" indent="0">
+            <a:lvl8pPr marL="26285131" indent="0">
               <a:buNone/>
-              <a:defRPr sz="6681" b="1"/>
+              <a:defRPr sz="13142" b="1"/>
             </a:lvl8pPr>
-            <a:lvl9pPr marL="15271888" indent="0">
+            <a:lvl9pPr marL="30040146" indent="0">
               <a:buNone/>
-              <a:defRPr sz="6681" b="1"/>
+              <a:defRPr sz="13142" b="1"/>
             </a:lvl9pPr>
           </a:lstStyle>
           <a:p>
@@ -4222,8 +4187,8 @@
         </p:nvSpPr>
         <p:spPr>
           <a:xfrm>
-            <a:off x="2810444" y="1321547"/>
-            <a:ext cx="2360105" cy="1943791"/>
+            <a:off x="2062230" y="959708"/>
+            <a:ext cx="1731779" cy="1411572"/>
           </a:xfrm>
         </p:spPr>
         <p:txBody>
@@ -4316,7 +4281,7 @@
           <a:p>
             <a:fld id="{05B1DBB0-D0CE-4499-8A6D-C73AC9430D35}" type="datetimeFigureOut">
               <a:rPr kumimoji="1" lang="ja-JP" altLang="en-US" smtClean="0"/>
-              <a:t>2017/4/8</a:t>
+              <a:t>2017/6/2</a:t>
             </a:fld>
             <a:endParaRPr kumimoji="1" lang="ja-JP" altLang="en-US"/>
           </a:p>
@@ -4434,7 +4399,7 @@
           <a:p>
             <a:fld id="{05B1DBB0-D0CE-4499-8A6D-C73AC9430D35}" type="datetimeFigureOut">
               <a:rPr kumimoji="1" lang="ja-JP" altLang="en-US" smtClean="0"/>
-              <a:t>2017/4/8</a:t>
+              <a:t>2017/6/2</a:t>
             </a:fld>
             <a:endParaRPr kumimoji="1" lang="ja-JP" altLang="en-US"/>
           </a:p>
@@ -4529,7 +4494,7 @@
           <a:p>
             <a:fld id="{05B1DBB0-D0CE-4499-8A6D-C73AC9430D35}" type="datetimeFigureOut">
               <a:rPr kumimoji="1" lang="ja-JP" altLang="en-US" smtClean="0"/>
-              <a:t>2017/4/8</a:t>
+              <a:t>2017/6/2</a:t>
             </a:fld>
             <a:endParaRPr kumimoji="1" lang="ja-JP" altLang="en-US"/>
           </a:p>
@@ -4619,15 +4584,15 @@
         </p:nvSpPr>
         <p:spPr>
           <a:xfrm>
-            <a:off x="382390" y="241195"/>
-            <a:ext cx="1790500" cy="844180"/>
+            <a:off x="280592" y="175159"/>
+            <a:ext cx="1313819" cy="613040"/>
           </a:xfrm>
         </p:spPr>
         <p:txBody>
           <a:bodyPr anchor="b"/>
           <a:lstStyle>
             <a:lvl1pPr>
-              <a:defRPr sz="13361"/>
+              <a:defRPr sz="26281"/>
             </a:lvl1pPr>
           </a:lstStyle>
           <a:p>
@@ -4651,39 +4616,39 @@
         </p:nvSpPr>
         <p:spPr>
           <a:xfrm>
-            <a:off x="2360106" y="520916"/>
-            <a:ext cx="2810441" cy="2571063"/>
+            <a:off x="1731781" y="378291"/>
+            <a:ext cx="2062222" cy="1867094"/>
           </a:xfrm>
         </p:spPr>
         <p:txBody>
           <a:bodyPr/>
           <a:lstStyle>
             <a:lvl1pPr>
-              <a:defRPr sz="13361"/>
+              <a:defRPr sz="26281"/>
             </a:lvl1pPr>
             <a:lvl2pPr>
-              <a:defRPr sz="11689"/>
+              <a:defRPr sz="22992"/>
             </a:lvl2pPr>
             <a:lvl3pPr>
-              <a:defRPr sz="10022"/>
+              <a:defRPr sz="19713"/>
             </a:lvl3pPr>
             <a:lvl4pPr>
-              <a:defRPr sz="8354"/>
+              <a:defRPr sz="16433"/>
             </a:lvl4pPr>
             <a:lvl5pPr>
-              <a:defRPr sz="8354"/>
+              <a:defRPr sz="16433"/>
             </a:lvl5pPr>
             <a:lvl6pPr>
-              <a:defRPr sz="8354"/>
+              <a:defRPr sz="16433"/>
             </a:lvl6pPr>
             <a:lvl7pPr>
-              <a:defRPr sz="8354"/>
+              <a:defRPr sz="16433"/>
             </a:lvl7pPr>
             <a:lvl8pPr>
-              <a:defRPr sz="8354"/>
+              <a:defRPr sz="16433"/>
             </a:lvl8pPr>
             <a:lvl9pPr>
-              <a:defRPr sz="8354"/>
+              <a:defRPr sz="16433"/>
             </a:lvl9pPr>
           </a:lstStyle>
           <a:p>
@@ -4768,8 +4733,8 @@
         </p:nvSpPr>
         <p:spPr>
           <a:xfrm>
-            <a:off x="382390" y="1085377"/>
-            <a:ext cx="1790500" cy="2010789"/>
+            <a:off x="280592" y="788198"/>
+            <a:ext cx="1313819" cy="1460227"/>
           </a:xfrm>
         </p:spPr>
         <p:txBody>
@@ -4777,39 +4742,39 @@
           <a:lstStyle>
             <a:lvl1pPr marL="0" indent="0">
               <a:buNone/>
-              <a:defRPr sz="6681"/>
+              <a:defRPr sz="13142"/>
             </a:lvl1pPr>
-            <a:lvl2pPr marL="1908988" indent="0">
+            <a:lvl2pPr marL="3755022" indent="0">
               <a:buNone/>
-              <a:defRPr sz="5845"/>
+              <a:defRPr sz="11498"/>
             </a:lvl2pPr>
-            <a:lvl3pPr marL="3817974" indent="0">
+            <a:lvl3pPr marL="7510041" indent="0">
               <a:buNone/>
-              <a:defRPr sz="5014"/>
+              <a:defRPr sz="9863"/>
             </a:lvl3pPr>
-            <a:lvl4pPr marL="5726957" indent="0">
+            <a:lvl4pPr marL="11265052" indent="0">
               <a:buNone/>
-              <a:defRPr sz="4176"/>
+              <a:defRPr sz="8214"/>
             </a:lvl4pPr>
-            <a:lvl5pPr marL="7635945" indent="0">
+            <a:lvl5pPr marL="15020075" indent="0">
               <a:buNone/>
-              <a:defRPr sz="4176"/>
+              <a:defRPr sz="8214"/>
             </a:lvl5pPr>
-            <a:lvl6pPr marL="9544931" indent="0">
+            <a:lvl6pPr marL="18775093" indent="0">
               <a:buNone/>
-              <a:defRPr sz="4176"/>
+              <a:defRPr sz="8214"/>
             </a:lvl6pPr>
-            <a:lvl7pPr marL="11453914" indent="0">
+            <a:lvl7pPr marL="22530106" indent="0">
               <a:buNone/>
-              <a:defRPr sz="4176"/>
+              <a:defRPr sz="8214"/>
             </a:lvl7pPr>
-            <a:lvl8pPr marL="13362904" indent="0">
+            <a:lvl8pPr marL="26285131" indent="0">
               <a:buNone/>
-              <a:defRPr sz="4176"/>
+              <a:defRPr sz="8214"/>
             </a:lvl8pPr>
-            <a:lvl9pPr marL="15271888" indent="0">
+            <a:lvl9pPr marL="30040146" indent="0">
               <a:buNone/>
-              <a:defRPr sz="4176"/>
+              <a:defRPr sz="8214"/>
             </a:lvl9pPr>
           </a:lstStyle>
           <a:p>
@@ -4838,7 +4803,7 @@
           <a:p>
             <a:fld id="{05B1DBB0-D0CE-4499-8A6D-C73AC9430D35}" type="datetimeFigureOut">
               <a:rPr kumimoji="1" lang="ja-JP" altLang="en-US" smtClean="0"/>
-              <a:t>2017/4/8</a:t>
+              <a:t>2017/6/2</a:t>
             </a:fld>
             <a:endParaRPr kumimoji="1" lang="ja-JP" altLang="en-US"/>
           </a:p>
@@ -4928,15 +4893,15 @@
         </p:nvSpPr>
         <p:spPr>
           <a:xfrm>
-            <a:off x="382390" y="241195"/>
-            <a:ext cx="1790500" cy="844180"/>
+            <a:off x="280592" y="175159"/>
+            <a:ext cx="1313819" cy="613040"/>
           </a:xfrm>
         </p:spPr>
         <p:txBody>
           <a:bodyPr anchor="b"/>
           <a:lstStyle>
             <a:lvl1pPr>
-              <a:defRPr sz="13361"/>
+              <a:defRPr sz="26281"/>
             </a:lvl1pPr>
           </a:lstStyle>
           <a:p>
@@ -4960,8 +4925,8 @@
         </p:nvSpPr>
         <p:spPr>
           <a:xfrm>
-            <a:off x="2360106" y="520916"/>
-            <a:ext cx="2810441" cy="2571063"/>
+            <a:off x="1731781" y="378291"/>
+            <a:ext cx="2062222" cy="1867094"/>
           </a:xfrm>
         </p:spPr>
         <p:txBody>
@@ -4969,39 +4934,39 @@
           <a:lstStyle>
             <a:lvl1pPr marL="0" indent="0">
               <a:buNone/>
-              <a:defRPr sz="13361"/>
+              <a:defRPr sz="26281"/>
             </a:lvl1pPr>
-            <a:lvl2pPr marL="1908988" indent="0">
+            <a:lvl2pPr marL="3755022" indent="0">
               <a:buNone/>
-              <a:defRPr sz="11689"/>
+              <a:defRPr sz="22992"/>
             </a:lvl2pPr>
-            <a:lvl3pPr marL="3817974" indent="0">
+            <a:lvl3pPr marL="7510041" indent="0">
               <a:buNone/>
-              <a:defRPr sz="10022"/>
+              <a:defRPr sz="19713"/>
             </a:lvl3pPr>
-            <a:lvl4pPr marL="5726957" indent="0">
+            <a:lvl4pPr marL="11265052" indent="0">
               <a:buNone/>
-              <a:defRPr sz="8354"/>
+              <a:defRPr sz="16433"/>
             </a:lvl4pPr>
-            <a:lvl5pPr marL="7635945" indent="0">
+            <a:lvl5pPr marL="15020075" indent="0">
               <a:buNone/>
-              <a:defRPr sz="8354"/>
+              <a:defRPr sz="16433"/>
             </a:lvl5pPr>
-            <a:lvl6pPr marL="9544931" indent="0">
+            <a:lvl6pPr marL="18775093" indent="0">
               <a:buNone/>
-              <a:defRPr sz="8354"/>
+              <a:defRPr sz="16433"/>
             </a:lvl6pPr>
-            <a:lvl7pPr marL="11453914" indent="0">
+            <a:lvl7pPr marL="22530106" indent="0">
               <a:buNone/>
-              <a:defRPr sz="8354"/>
+              <a:defRPr sz="16433"/>
             </a:lvl7pPr>
-            <a:lvl8pPr marL="13362904" indent="0">
+            <a:lvl8pPr marL="26285131" indent="0">
               <a:buNone/>
-              <a:defRPr sz="8354"/>
+              <a:defRPr sz="16433"/>
             </a:lvl8pPr>
-            <a:lvl9pPr marL="15271888" indent="0">
+            <a:lvl9pPr marL="30040146" indent="0">
               <a:buNone/>
-              <a:defRPr sz="8354"/>
+              <a:defRPr sz="16433"/>
             </a:lvl9pPr>
           </a:lstStyle>
           <a:p>
@@ -5021,8 +4986,8 @@
         </p:nvSpPr>
         <p:spPr>
           <a:xfrm>
-            <a:off x="382390" y="1085377"/>
-            <a:ext cx="1790500" cy="2010789"/>
+            <a:off x="280592" y="788198"/>
+            <a:ext cx="1313819" cy="1460227"/>
           </a:xfrm>
         </p:spPr>
         <p:txBody>
@@ -5030,39 +4995,39 @@
           <a:lstStyle>
             <a:lvl1pPr marL="0" indent="0">
               <a:buNone/>
-              <a:defRPr sz="6681"/>
+              <a:defRPr sz="13142"/>
             </a:lvl1pPr>
-            <a:lvl2pPr marL="1908988" indent="0">
+            <a:lvl2pPr marL="3755022" indent="0">
               <a:buNone/>
-              <a:defRPr sz="5845"/>
+              <a:defRPr sz="11498"/>
             </a:lvl2pPr>
-            <a:lvl3pPr marL="3817974" indent="0">
+            <a:lvl3pPr marL="7510041" indent="0">
               <a:buNone/>
-              <a:defRPr sz="5014"/>
+              <a:defRPr sz="9863"/>
             </a:lvl3pPr>
-            <a:lvl4pPr marL="5726957" indent="0">
+            <a:lvl4pPr marL="11265052" indent="0">
               <a:buNone/>
-              <a:defRPr sz="4176"/>
+              <a:defRPr sz="8214"/>
             </a:lvl4pPr>
-            <a:lvl5pPr marL="7635945" indent="0">
+            <a:lvl5pPr marL="15020075" indent="0">
               <a:buNone/>
-              <a:defRPr sz="4176"/>
+              <a:defRPr sz="8214"/>
             </a:lvl5pPr>
-            <a:lvl6pPr marL="9544931" indent="0">
+            <a:lvl6pPr marL="18775093" indent="0">
               <a:buNone/>
-              <a:defRPr sz="4176"/>
+              <a:defRPr sz="8214"/>
             </a:lvl6pPr>
-            <a:lvl7pPr marL="11453914" indent="0">
+            <a:lvl7pPr marL="22530106" indent="0">
               <a:buNone/>
-              <a:defRPr sz="4176"/>
+              <a:defRPr sz="8214"/>
             </a:lvl7pPr>
-            <a:lvl8pPr marL="13362904" indent="0">
+            <a:lvl8pPr marL="26285131" indent="0">
               <a:buNone/>
-              <a:defRPr sz="4176"/>
+              <a:defRPr sz="8214"/>
             </a:lvl8pPr>
-            <a:lvl9pPr marL="15271888" indent="0">
+            <a:lvl9pPr marL="30040146" indent="0">
               <a:buNone/>
-              <a:defRPr sz="4176"/>
+              <a:defRPr sz="8214"/>
             </a:lvl9pPr>
           </a:lstStyle>
           <a:p>
@@ -5091,7 +5056,7 @@
           <a:p>
             <a:fld id="{05B1DBB0-D0CE-4499-8A6D-C73AC9430D35}" type="datetimeFigureOut">
               <a:rPr kumimoji="1" lang="ja-JP" altLang="en-US" smtClean="0"/>
-              <a:t>2017/4/8</a:t>
+              <a:t>2017/6/2</a:t>
             </a:fld>
             <a:endParaRPr kumimoji="1" lang="ja-JP" altLang="en-US"/>
           </a:p>
@@ -5186,8 +5151,8 @@
         </p:nvSpPr>
         <p:spPr>
           <a:xfrm>
-            <a:off x="381665" y="192621"/>
-            <a:ext cx="4788158" cy="699296"/>
+            <a:off x="280058" y="139881"/>
+            <a:ext cx="3513415" cy="507825"/>
           </a:xfrm>
           <a:prstGeom prst="rect">
             <a:avLst/>
@@ -5219,8 +5184,8 @@
         </p:nvSpPr>
         <p:spPr>
           <a:xfrm>
-            <a:off x="381665" y="963105"/>
-            <a:ext cx="4788158" cy="2295533"/>
+            <a:off x="280058" y="699405"/>
+            <a:ext cx="3513415" cy="1667006"/>
           </a:xfrm>
           <a:prstGeom prst="rect">
             <a:avLst/>
@@ -5313,8 +5278,8 @@
         </p:nvSpPr>
         <p:spPr>
           <a:xfrm>
-            <a:off x="381667" y="3353271"/>
-            <a:ext cx="1249084" cy="192620"/>
+            <a:off x="280064" y="2435133"/>
+            <a:ext cx="916543" cy="139879"/>
           </a:xfrm>
           <a:prstGeom prst="rect">
             <a:avLst/>
@@ -5324,7 +5289,7 @@
           <a:bodyPr vert="horz" lIns="91440" tIns="45720" rIns="91440" bIns="45720" rtlCol="0" anchor="ctr"/>
           <a:lstStyle>
             <a:lvl1pPr algn="l">
-              <a:defRPr sz="5014">
+              <a:defRPr sz="9863">
                 <a:solidFill>
                   <a:schemeClr val="tx1">
                     <a:tint val="75000"/>
@@ -5336,7 +5301,7 @@
           <a:p>
             <a:fld id="{05B1DBB0-D0CE-4499-8A6D-C73AC9430D35}" type="datetimeFigureOut">
               <a:rPr kumimoji="1" lang="ja-JP" altLang="en-US" smtClean="0"/>
-              <a:t>2017/4/8</a:t>
+              <a:t>2017/6/2</a:t>
             </a:fld>
             <a:endParaRPr kumimoji="1" lang="ja-JP" altLang="en-US"/>
           </a:p>
@@ -5354,8 +5319,8 @@
         </p:nvSpPr>
         <p:spPr>
           <a:xfrm>
-            <a:off x="1838931" y="3353271"/>
-            <a:ext cx="1873629" cy="192620"/>
+            <a:off x="1349360" y="2435133"/>
+            <a:ext cx="1374815" cy="139879"/>
           </a:xfrm>
           <a:prstGeom prst="rect">
             <a:avLst/>
@@ -5365,7 +5330,7 @@
           <a:bodyPr vert="horz" lIns="91440" tIns="45720" rIns="91440" bIns="45720" rtlCol="0" anchor="ctr"/>
           <a:lstStyle>
             <a:lvl1pPr algn="ctr">
-              <a:defRPr sz="5014">
+              <a:defRPr sz="9863">
                 <a:solidFill>
                   <a:schemeClr val="tx1">
                     <a:tint val="75000"/>
@@ -5391,8 +5356,8 @@
         </p:nvSpPr>
         <p:spPr>
           <a:xfrm>
-            <a:off x="3920740" y="3353271"/>
-            <a:ext cx="1249084" cy="192620"/>
+            <a:off x="2876935" y="2435133"/>
+            <a:ext cx="916543" cy="139879"/>
           </a:xfrm>
           <a:prstGeom prst="rect">
             <a:avLst/>
@@ -5402,7 +5367,7 @@
           <a:bodyPr vert="horz" lIns="91440" tIns="45720" rIns="91440" bIns="45720" rtlCol="0" anchor="ctr"/>
           <a:lstStyle>
             <a:lvl1pPr algn="r">
-              <a:defRPr sz="5014">
+              <a:defRPr sz="9863">
                 <a:solidFill>
                   <a:schemeClr val="tx1">
                     <a:tint val="75000"/>
@@ -5443,7 +5408,7 @@
   </p:sldLayoutIdLst>
   <p:txStyles>
     <p:titleStyle>
-      <a:lvl1pPr algn="l" defTabSz="3817974" rtl="0" eaLnBrk="1" latinLnBrk="0" hangingPunct="1">
+      <a:lvl1pPr algn="l" defTabSz="7510041" rtl="0" eaLnBrk="1" latinLnBrk="0" hangingPunct="1">
         <a:lnSpc>
           <a:spcPct val="90000"/>
         </a:lnSpc>
@@ -5451,7 +5416,7 @@
           <a:spcPct val="0"/>
         </a:spcBef>
         <a:buNone/>
-        <a:defRPr kumimoji="1" sz="18371" kern="1200">
+        <a:defRPr kumimoji="1" sz="36137" kern="1200">
           <a:solidFill>
             <a:schemeClr val="tx1"/>
           </a:solidFill>
@@ -5462,16 +5427,16 @@
       </a:lvl1pPr>
     </p:titleStyle>
     <p:bodyStyle>
-      <a:lvl1pPr marL="954494" indent="-954494" algn="l" defTabSz="3817974" rtl="0" eaLnBrk="1" latinLnBrk="0" hangingPunct="1">
+      <a:lvl1pPr marL="1877511" indent="-1877511" algn="l" defTabSz="7510041" rtl="0" eaLnBrk="1" latinLnBrk="0" hangingPunct="1">
         <a:lnSpc>
           <a:spcPct val="90000"/>
         </a:lnSpc>
         <a:spcBef>
-          <a:spcPts val="4176"/>
+          <a:spcPts val="8214"/>
         </a:spcBef>
         <a:buFont typeface="Arial" panose="020B0604020202020204" pitchFamily="34" charset="0"/>
         <a:buChar char="•"/>
-        <a:defRPr kumimoji="1" sz="11689" kern="1200">
+        <a:defRPr kumimoji="1" sz="22992" kern="1200">
           <a:solidFill>
             <a:schemeClr val="tx1"/>
           </a:solidFill>
@@ -5480,16 +5445,16 @@
           <a:cs typeface="+mn-cs"/>
         </a:defRPr>
       </a:lvl1pPr>
-      <a:lvl2pPr marL="2863480" indent="-954494" algn="l" defTabSz="3817974" rtl="0" eaLnBrk="1" latinLnBrk="0" hangingPunct="1">
+      <a:lvl2pPr marL="5632531" indent="-1877511" algn="l" defTabSz="7510041" rtl="0" eaLnBrk="1" latinLnBrk="0" hangingPunct="1">
         <a:lnSpc>
           <a:spcPct val="90000"/>
         </a:lnSpc>
         <a:spcBef>
-          <a:spcPts val="2088"/>
+          <a:spcPts val="4107"/>
         </a:spcBef>
         <a:buFont typeface="Arial" panose="020B0604020202020204" pitchFamily="34" charset="0"/>
         <a:buChar char="•"/>
-        <a:defRPr kumimoji="1" sz="10022" kern="1200">
+        <a:defRPr kumimoji="1" sz="19713" kern="1200">
           <a:solidFill>
             <a:schemeClr val="tx1"/>
           </a:solidFill>
@@ -5498,16 +5463,16 @@
           <a:cs typeface="+mn-cs"/>
         </a:defRPr>
       </a:lvl2pPr>
-      <a:lvl3pPr marL="4772468" indent="-954494" algn="l" defTabSz="3817974" rtl="0" eaLnBrk="1" latinLnBrk="0" hangingPunct="1">
+      <a:lvl3pPr marL="9387550" indent="-1877511" algn="l" defTabSz="7510041" rtl="0" eaLnBrk="1" latinLnBrk="0" hangingPunct="1">
         <a:lnSpc>
           <a:spcPct val="90000"/>
         </a:lnSpc>
         <a:spcBef>
-          <a:spcPts val="2088"/>
+          <a:spcPts val="4107"/>
         </a:spcBef>
         <a:buFont typeface="Arial" panose="020B0604020202020204" pitchFamily="34" charset="0"/>
         <a:buChar char="•"/>
-        <a:defRPr kumimoji="1" sz="8354" kern="1200">
+        <a:defRPr kumimoji="1" sz="16433" kern="1200">
           <a:solidFill>
             <a:schemeClr val="tx1"/>
           </a:solidFill>
@@ -5516,16 +5481,16 @@
           <a:cs typeface="+mn-cs"/>
         </a:defRPr>
       </a:lvl3pPr>
-      <a:lvl4pPr marL="6681446" indent="-954494" algn="l" defTabSz="3817974" rtl="0" eaLnBrk="1" latinLnBrk="0" hangingPunct="1">
+      <a:lvl4pPr marL="13142555" indent="-1877511" algn="l" defTabSz="7510041" rtl="0" eaLnBrk="1" latinLnBrk="0" hangingPunct="1">
         <a:lnSpc>
           <a:spcPct val="90000"/>
         </a:lnSpc>
         <a:spcBef>
-          <a:spcPts val="2088"/>
+          <a:spcPts val="4107"/>
         </a:spcBef>
         <a:buFont typeface="Arial" panose="020B0604020202020204" pitchFamily="34" charset="0"/>
         <a:buChar char="•"/>
-        <a:defRPr kumimoji="1" sz="7518" kern="1200">
+        <a:defRPr kumimoji="1" sz="14787" kern="1200">
           <a:solidFill>
             <a:schemeClr val="tx1"/>
           </a:solidFill>
@@ -5534,16 +5499,16 @@
           <a:cs typeface="+mn-cs"/>
         </a:defRPr>
       </a:lvl4pPr>
-      <a:lvl5pPr marL="8590437" indent="-954494" algn="l" defTabSz="3817974" rtl="0" eaLnBrk="1" latinLnBrk="0" hangingPunct="1">
+      <a:lvl5pPr marL="16897582" indent="-1877511" algn="l" defTabSz="7510041" rtl="0" eaLnBrk="1" latinLnBrk="0" hangingPunct="1">
         <a:lnSpc>
           <a:spcPct val="90000"/>
         </a:lnSpc>
         <a:spcBef>
-          <a:spcPts val="2088"/>
+          <a:spcPts val="4107"/>
         </a:spcBef>
         <a:buFont typeface="Arial" panose="020B0604020202020204" pitchFamily="34" charset="0"/>
         <a:buChar char="•"/>
-        <a:defRPr kumimoji="1" sz="7518" kern="1200">
+        <a:defRPr kumimoji="1" sz="14787" kern="1200">
           <a:solidFill>
             <a:schemeClr val="tx1"/>
           </a:solidFill>
@@ -5552,16 +5517,16 @@
           <a:cs typeface="+mn-cs"/>
         </a:defRPr>
       </a:lvl5pPr>
-      <a:lvl6pPr marL="10499425" indent="-954494" algn="l" defTabSz="3817974" rtl="0" eaLnBrk="1" latinLnBrk="0" hangingPunct="1">
+      <a:lvl6pPr marL="20652604" indent="-1877511" algn="l" defTabSz="7510041" rtl="0" eaLnBrk="1" latinLnBrk="0" hangingPunct="1">
         <a:lnSpc>
           <a:spcPct val="90000"/>
         </a:lnSpc>
         <a:spcBef>
-          <a:spcPts val="2088"/>
+          <a:spcPts val="4107"/>
         </a:spcBef>
         <a:buFont typeface="Arial" panose="020B0604020202020204" pitchFamily="34" charset="0"/>
         <a:buChar char="•"/>
-        <a:defRPr kumimoji="1" sz="7518" kern="1200">
+        <a:defRPr kumimoji="1" sz="14787" kern="1200">
           <a:solidFill>
             <a:schemeClr val="tx1"/>
           </a:solidFill>
@@ -5570,16 +5535,16 @@
           <a:cs typeface="+mn-cs"/>
         </a:defRPr>
       </a:lvl6pPr>
-      <a:lvl7pPr marL="12408408" indent="-954494" algn="l" defTabSz="3817974" rtl="0" eaLnBrk="1" latinLnBrk="0" hangingPunct="1">
+      <a:lvl7pPr marL="24407616" indent="-1877511" algn="l" defTabSz="7510041" rtl="0" eaLnBrk="1" latinLnBrk="0" hangingPunct="1">
         <a:lnSpc>
           <a:spcPct val="90000"/>
         </a:lnSpc>
         <a:spcBef>
-          <a:spcPts val="2088"/>
+          <a:spcPts val="4107"/>
         </a:spcBef>
         <a:buFont typeface="Arial" panose="020B0604020202020204" pitchFamily="34" charset="0"/>
         <a:buChar char="•"/>
-        <a:defRPr kumimoji="1" sz="7518" kern="1200">
+        <a:defRPr kumimoji="1" sz="14787" kern="1200">
           <a:solidFill>
             <a:schemeClr val="tx1"/>
           </a:solidFill>
@@ -5588,16 +5553,16 @@
           <a:cs typeface="+mn-cs"/>
         </a:defRPr>
       </a:lvl7pPr>
-      <a:lvl8pPr marL="14317398" indent="-954494" algn="l" defTabSz="3817974" rtl="0" eaLnBrk="1" latinLnBrk="0" hangingPunct="1">
+      <a:lvl8pPr marL="28162641" indent="-1877511" algn="l" defTabSz="7510041" rtl="0" eaLnBrk="1" latinLnBrk="0" hangingPunct="1">
         <a:lnSpc>
           <a:spcPct val="90000"/>
         </a:lnSpc>
         <a:spcBef>
-          <a:spcPts val="2088"/>
+          <a:spcPts val="4107"/>
         </a:spcBef>
         <a:buFont typeface="Arial" panose="020B0604020202020204" pitchFamily="34" charset="0"/>
         <a:buChar char="•"/>
-        <a:defRPr kumimoji="1" sz="7518" kern="1200">
+        <a:defRPr kumimoji="1" sz="14787" kern="1200">
           <a:solidFill>
             <a:schemeClr val="tx1"/>
           </a:solidFill>
@@ -5606,16 +5571,16 @@
           <a:cs typeface="+mn-cs"/>
         </a:defRPr>
       </a:lvl8pPr>
-      <a:lvl9pPr marL="16226382" indent="-954494" algn="l" defTabSz="3817974" rtl="0" eaLnBrk="1" latinLnBrk="0" hangingPunct="1">
+      <a:lvl9pPr marL="31917658" indent="-1877511" algn="l" defTabSz="7510041" rtl="0" eaLnBrk="1" latinLnBrk="0" hangingPunct="1">
         <a:lnSpc>
           <a:spcPct val="90000"/>
         </a:lnSpc>
         <a:spcBef>
-          <a:spcPts val="2088"/>
+          <a:spcPts val="4107"/>
         </a:spcBef>
         <a:buFont typeface="Arial" panose="020B0604020202020204" pitchFamily="34" charset="0"/>
         <a:buChar char="•"/>
-        <a:defRPr kumimoji="1" sz="7518" kern="1200">
+        <a:defRPr kumimoji="1" sz="14787" kern="1200">
           <a:solidFill>
             <a:schemeClr val="tx1"/>
           </a:solidFill>
@@ -5629,8 +5594,8 @@
       <a:defPPr>
         <a:defRPr lang="ja-JP"/>
       </a:defPPr>
-      <a:lvl1pPr marL="0" algn="l" defTabSz="3817974" rtl="0" eaLnBrk="1" latinLnBrk="0" hangingPunct="1">
-        <a:defRPr kumimoji="1" sz="7518" kern="1200">
+      <a:lvl1pPr marL="0" algn="l" defTabSz="7510041" rtl="0" eaLnBrk="1" latinLnBrk="0" hangingPunct="1">
+        <a:defRPr kumimoji="1" sz="14787" kern="1200">
           <a:solidFill>
             <a:schemeClr val="tx1"/>
           </a:solidFill>
@@ -5639,8 +5604,8 @@
           <a:cs typeface="+mn-cs"/>
         </a:defRPr>
       </a:lvl1pPr>
-      <a:lvl2pPr marL="1908988" algn="l" defTabSz="3817974" rtl="0" eaLnBrk="1" latinLnBrk="0" hangingPunct="1">
-        <a:defRPr kumimoji="1" sz="7518" kern="1200">
+      <a:lvl2pPr marL="3755022" algn="l" defTabSz="7510041" rtl="0" eaLnBrk="1" latinLnBrk="0" hangingPunct="1">
+        <a:defRPr kumimoji="1" sz="14787" kern="1200">
           <a:solidFill>
             <a:schemeClr val="tx1"/>
           </a:solidFill>
@@ -5649,8 +5614,8 @@
           <a:cs typeface="+mn-cs"/>
         </a:defRPr>
       </a:lvl2pPr>
-      <a:lvl3pPr marL="3817974" algn="l" defTabSz="3817974" rtl="0" eaLnBrk="1" latinLnBrk="0" hangingPunct="1">
-        <a:defRPr kumimoji="1" sz="7518" kern="1200">
+      <a:lvl3pPr marL="7510041" algn="l" defTabSz="7510041" rtl="0" eaLnBrk="1" latinLnBrk="0" hangingPunct="1">
+        <a:defRPr kumimoji="1" sz="14787" kern="1200">
           <a:solidFill>
             <a:schemeClr val="tx1"/>
           </a:solidFill>
@@ -5659,8 +5624,8 @@
           <a:cs typeface="+mn-cs"/>
         </a:defRPr>
       </a:lvl3pPr>
-      <a:lvl4pPr marL="5726957" algn="l" defTabSz="3817974" rtl="0" eaLnBrk="1" latinLnBrk="0" hangingPunct="1">
-        <a:defRPr kumimoji="1" sz="7518" kern="1200">
+      <a:lvl4pPr marL="11265052" algn="l" defTabSz="7510041" rtl="0" eaLnBrk="1" latinLnBrk="0" hangingPunct="1">
+        <a:defRPr kumimoji="1" sz="14787" kern="1200">
           <a:solidFill>
             <a:schemeClr val="tx1"/>
           </a:solidFill>
@@ -5669,8 +5634,8 @@
           <a:cs typeface="+mn-cs"/>
         </a:defRPr>
       </a:lvl4pPr>
-      <a:lvl5pPr marL="7635945" algn="l" defTabSz="3817974" rtl="0" eaLnBrk="1" latinLnBrk="0" hangingPunct="1">
-        <a:defRPr kumimoji="1" sz="7518" kern="1200">
+      <a:lvl5pPr marL="15020075" algn="l" defTabSz="7510041" rtl="0" eaLnBrk="1" latinLnBrk="0" hangingPunct="1">
+        <a:defRPr kumimoji="1" sz="14787" kern="1200">
           <a:solidFill>
             <a:schemeClr val="tx1"/>
           </a:solidFill>
@@ -5679,8 +5644,8 @@
           <a:cs typeface="+mn-cs"/>
         </a:defRPr>
       </a:lvl5pPr>
-      <a:lvl6pPr marL="9544931" algn="l" defTabSz="3817974" rtl="0" eaLnBrk="1" latinLnBrk="0" hangingPunct="1">
-        <a:defRPr kumimoji="1" sz="7518" kern="1200">
+      <a:lvl6pPr marL="18775093" algn="l" defTabSz="7510041" rtl="0" eaLnBrk="1" latinLnBrk="0" hangingPunct="1">
+        <a:defRPr kumimoji="1" sz="14787" kern="1200">
           <a:solidFill>
             <a:schemeClr val="tx1"/>
           </a:solidFill>
@@ -5689,8 +5654,8 @@
           <a:cs typeface="+mn-cs"/>
         </a:defRPr>
       </a:lvl6pPr>
-      <a:lvl7pPr marL="11453914" algn="l" defTabSz="3817974" rtl="0" eaLnBrk="1" latinLnBrk="0" hangingPunct="1">
-        <a:defRPr kumimoji="1" sz="7518" kern="1200">
+      <a:lvl7pPr marL="22530106" algn="l" defTabSz="7510041" rtl="0" eaLnBrk="1" latinLnBrk="0" hangingPunct="1">
+        <a:defRPr kumimoji="1" sz="14787" kern="1200">
           <a:solidFill>
             <a:schemeClr val="tx1"/>
           </a:solidFill>
@@ -5699,8 +5664,8 @@
           <a:cs typeface="+mn-cs"/>
         </a:defRPr>
       </a:lvl7pPr>
-      <a:lvl8pPr marL="13362904" algn="l" defTabSz="3817974" rtl="0" eaLnBrk="1" latinLnBrk="0" hangingPunct="1">
-        <a:defRPr kumimoji="1" sz="7518" kern="1200">
+      <a:lvl8pPr marL="26285131" algn="l" defTabSz="7510041" rtl="0" eaLnBrk="1" latinLnBrk="0" hangingPunct="1">
+        <a:defRPr kumimoji="1" sz="14787" kern="1200">
           <a:solidFill>
             <a:schemeClr val="tx1"/>
           </a:solidFill>
@@ -5709,8 +5674,8 @@
           <a:cs typeface="+mn-cs"/>
         </a:defRPr>
       </a:lvl8pPr>
-      <a:lvl9pPr marL="15271888" algn="l" defTabSz="3817974" rtl="0" eaLnBrk="1" latinLnBrk="0" hangingPunct="1">
-        <a:defRPr kumimoji="1" sz="7518" kern="1200">
+      <a:lvl9pPr marL="30040146" algn="l" defTabSz="7510041" rtl="0" eaLnBrk="1" latinLnBrk="0" hangingPunct="1">
+        <a:defRPr kumimoji="1" sz="14787" kern="1200">
           <a:solidFill>
             <a:schemeClr val="tx1"/>
           </a:solidFill>
@@ -5761,8 +5726,8 @@
         </p:nvSpPr>
         <p:spPr>
           <a:xfrm>
-            <a:off x="277809" y="144722"/>
-            <a:ext cx="5000538" cy="276999"/>
+            <a:off x="203850" y="105100"/>
+            <a:ext cx="3669255" cy="282809"/>
           </a:xfrm>
           <a:prstGeom prst="rect">
             <a:avLst/>
@@ -5794,8 +5759,8 @@
         </p:nvSpPr>
         <p:spPr>
           <a:xfrm>
-            <a:off x="277809" y="832122"/>
-            <a:ext cx="5000538" cy="276999"/>
+            <a:off x="203850" y="604286"/>
+            <a:ext cx="3669255" cy="282809"/>
           </a:xfrm>
           <a:prstGeom prst="rect">
             <a:avLst/>
@@ -5827,8 +5792,8 @@
         </p:nvSpPr>
         <p:spPr>
           <a:xfrm>
-            <a:off x="1889095" y="3364664"/>
-            <a:ext cx="1777969" cy="67839"/>
+            <a:off x="1386171" y="2443406"/>
+            <a:ext cx="1304623" cy="64286"/>
           </a:xfrm>
           <a:prstGeom prst="rect">
             <a:avLst/>
@@ -5866,8 +5831,8 @@
         </p:nvSpPr>
         <p:spPr>
           <a:xfrm>
-            <a:off x="277810" y="3364664"/>
-            <a:ext cx="1277915" cy="67839"/>
+            <a:off x="203853" y="2443406"/>
+            <a:ext cx="937698" cy="64286"/>
           </a:xfrm>
           <a:prstGeom prst="rect">
             <a:avLst/>
@@ -5891,7 +5856,7 @@
           <a:p>
             <a:fld id="{1D8BD707-D9CF-40AE-B4C6-C98DA3205C09}" type="datetimeFigureOut">
               <a:rPr lang="en-US"/>
-              <a:t>4/8/2017</a:t>
+              <a:t>6/2/2017</a:t>
             </a:fld>
             <a:endParaRPr lang="en-US"/>
           </a:p>
@@ -5909,8 +5874,8 @@
         </p:nvSpPr>
         <p:spPr>
           <a:xfrm>
-            <a:off x="4000433" y="3364664"/>
-            <a:ext cx="1277915" cy="67839"/>
+            <a:off x="2935408" y="2443406"/>
+            <a:ext cx="937698" cy="64286"/>
           </a:xfrm>
           <a:prstGeom prst="rect">
             <a:avLst/>
@@ -5972,56 +5937,56 @@
           <a:cs typeface="+mn-cs"/>
         </a:defRPr>
       </a:lvl1pPr>
-      <a:lvl2pPr marL="918173">
+      <a:lvl2pPr marL="1806067">
         <a:defRPr>
           <a:latin typeface="+mn-lt"/>
           <a:ea typeface="+mn-ea"/>
           <a:cs typeface="+mn-cs"/>
         </a:defRPr>
       </a:lvl2pPr>
-      <a:lvl3pPr marL="1836350">
+      <a:lvl3pPr marL="3612143">
         <a:defRPr>
           <a:latin typeface="+mn-lt"/>
           <a:ea typeface="+mn-ea"/>
           <a:cs typeface="+mn-cs"/>
         </a:defRPr>
       </a:lvl3pPr>
-      <a:lvl4pPr marL="2754522">
+      <a:lvl4pPr marL="5418207">
         <a:defRPr>
           <a:latin typeface="+mn-lt"/>
           <a:ea typeface="+mn-ea"/>
           <a:cs typeface="+mn-cs"/>
         </a:defRPr>
       </a:lvl4pPr>
-      <a:lvl5pPr marL="3672695">
+      <a:lvl5pPr marL="7224273">
         <a:defRPr>
           <a:latin typeface="+mn-lt"/>
           <a:ea typeface="+mn-ea"/>
           <a:cs typeface="+mn-cs"/>
         </a:defRPr>
       </a:lvl5pPr>
-      <a:lvl6pPr marL="4590873">
+      <a:lvl6pPr marL="9030351">
         <a:defRPr>
           <a:latin typeface="+mn-lt"/>
           <a:ea typeface="+mn-ea"/>
           <a:cs typeface="+mn-cs"/>
         </a:defRPr>
       </a:lvl6pPr>
-      <a:lvl7pPr marL="5509052">
+      <a:lvl7pPr marL="10836427">
         <a:defRPr>
           <a:latin typeface="+mn-lt"/>
           <a:ea typeface="+mn-ea"/>
           <a:cs typeface="+mn-cs"/>
         </a:defRPr>
       </a:lvl7pPr>
-      <a:lvl8pPr marL="6427220">
+      <a:lvl8pPr marL="12642485">
         <a:defRPr>
           <a:latin typeface="+mn-lt"/>
           <a:ea typeface="+mn-ea"/>
           <a:cs typeface="+mn-cs"/>
         </a:defRPr>
       </a:lvl8pPr>
-      <a:lvl9pPr marL="7345397">
+      <a:lvl9pPr marL="14448561">
         <a:defRPr>
           <a:latin typeface="+mn-lt"/>
           <a:ea typeface="+mn-ea"/>
@@ -6037,56 +6002,56 @@
           <a:cs typeface="+mn-cs"/>
         </a:defRPr>
       </a:lvl1pPr>
-      <a:lvl2pPr marL="918173">
+      <a:lvl2pPr marL="1806067">
         <a:defRPr>
           <a:latin typeface="+mn-lt"/>
           <a:ea typeface="+mn-ea"/>
           <a:cs typeface="+mn-cs"/>
         </a:defRPr>
       </a:lvl2pPr>
-      <a:lvl3pPr marL="1836350">
+      <a:lvl3pPr marL="3612143">
         <a:defRPr>
           <a:latin typeface="+mn-lt"/>
           <a:ea typeface="+mn-ea"/>
           <a:cs typeface="+mn-cs"/>
         </a:defRPr>
       </a:lvl3pPr>
-      <a:lvl4pPr marL="2754522">
+      <a:lvl4pPr marL="5418207">
         <a:defRPr>
           <a:latin typeface="+mn-lt"/>
           <a:ea typeface="+mn-ea"/>
           <a:cs typeface="+mn-cs"/>
         </a:defRPr>
       </a:lvl4pPr>
-      <a:lvl5pPr marL="3672695">
+      <a:lvl5pPr marL="7224273">
         <a:defRPr>
           <a:latin typeface="+mn-lt"/>
           <a:ea typeface="+mn-ea"/>
           <a:cs typeface="+mn-cs"/>
         </a:defRPr>
       </a:lvl5pPr>
-      <a:lvl6pPr marL="4590873">
+      <a:lvl6pPr marL="9030351">
         <a:defRPr>
           <a:latin typeface="+mn-lt"/>
           <a:ea typeface="+mn-ea"/>
           <a:cs typeface="+mn-cs"/>
         </a:defRPr>
       </a:lvl6pPr>
-      <a:lvl7pPr marL="5509052">
+      <a:lvl7pPr marL="10836427">
         <a:defRPr>
           <a:latin typeface="+mn-lt"/>
           <a:ea typeface="+mn-ea"/>
           <a:cs typeface="+mn-cs"/>
         </a:defRPr>
       </a:lvl7pPr>
-      <a:lvl8pPr marL="6427220">
+      <a:lvl8pPr marL="12642485">
         <a:defRPr>
           <a:latin typeface="+mn-lt"/>
           <a:ea typeface="+mn-ea"/>
           <a:cs typeface="+mn-cs"/>
         </a:defRPr>
       </a:lvl8pPr>
-      <a:lvl9pPr marL="7345397">
+      <a:lvl9pPr marL="14448561">
         <a:defRPr>
           <a:latin typeface="+mn-lt"/>
           <a:ea typeface="+mn-ea"/>
@@ -6117,21 +6082,21 @@
       </p:grpSpPr>
       <p:graphicFrame>
         <p:nvGraphicFramePr>
-          <p:cNvPr id="3" name="グラフ 2"/>
+          <p:cNvPr id="4" name="グラフ 3"/>
           <p:cNvGraphicFramePr>
             <a:graphicFrameLocks/>
           </p:cNvGraphicFramePr>
           <p:nvPr>
             <p:extLst>
               <p:ext uri="{D42A27DB-BD31-4B8C-83A1-F6EECF244321}">
-                <p14:modId xmlns:p14="http://schemas.microsoft.com/office/powerpoint/2010/main" val="3358143286"/>
+                <p14:modId xmlns:p14="http://schemas.microsoft.com/office/powerpoint/2010/main" val="365151860"/>
               </p:ext>
             </p:extLst>
           </p:nvPr>
         </p:nvGraphicFramePr>
         <p:xfrm>
-          <a:off x="0" y="0"/>
-          <a:ext cx="5551488" cy="3617913"/>
+          <a:off x="8366" y="-8594"/>
+          <a:ext cx="4056792" cy="2644501"/>
         </p:xfrm>
         <a:graphic>
           <a:graphicData uri="http://schemas.openxmlformats.org/drawingml/2006/chart">
